--- a/Lesssons/Lesson02.pptx
+++ b/Lesssons/Lesson02.pptx
@@ -7,20 +7,18 @@
   <p:sldIdLst>
     <p:sldId id="256" r:id="rId2"/>
     <p:sldId id="257" r:id="rId3"/>
-    <p:sldId id="303" r:id="rId4"/>
-    <p:sldId id="304" r:id="rId5"/>
-    <p:sldId id="261" r:id="rId6"/>
-    <p:sldId id="305" r:id="rId7"/>
-    <p:sldId id="306" r:id="rId8"/>
-    <p:sldId id="307" r:id="rId9"/>
-    <p:sldId id="308" r:id="rId10"/>
-    <p:sldId id="309" r:id="rId11"/>
-    <p:sldId id="310" r:id="rId12"/>
-    <p:sldId id="264" r:id="rId13"/>
-    <p:sldId id="311" r:id="rId14"/>
-    <p:sldId id="300" r:id="rId15"/>
-    <p:sldId id="301" r:id="rId16"/>
-    <p:sldId id="302" r:id="rId17"/>
+    <p:sldId id="313" r:id="rId4"/>
+    <p:sldId id="312" r:id="rId5"/>
+    <p:sldId id="303" r:id="rId6"/>
+    <p:sldId id="308" r:id="rId7"/>
+    <p:sldId id="309" r:id="rId8"/>
+    <p:sldId id="310" r:id="rId9"/>
+    <p:sldId id="264" r:id="rId10"/>
+    <p:sldId id="304" r:id="rId11"/>
+    <p:sldId id="311" r:id="rId12"/>
+    <p:sldId id="300" r:id="rId13"/>
+    <p:sldId id="301" r:id="rId14"/>
+    <p:sldId id="302" r:id="rId15"/>
   </p:sldIdLst>
   <p:sldSz cx="12192000" cy="6858000"/>
   <p:notesSz cx="6858000" cy="9144000"/>
@@ -274,7 +272,7 @@
           <a:p>
             <a:fld id="{EA72E7BD-C1BB-46F1-B277-8AE99D5C93A3}" type="datetimeFigureOut">
               <a:rPr lang="en-US" smtClean="0"/>
-              <a:t>6/26/2022</a:t>
+              <a:t>7/2/2022</a:t>
             </a:fld>
             <a:endParaRPr lang="en-US"/>
           </a:p>
@@ -472,7 +470,7 @@
           <a:p>
             <a:fld id="{EA72E7BD-C1BB-46F1-B277-8AE99D5C93A3}" type="datetimeFigureOut">
               <a:rPr lang="en-US" smtClean="0"/>
-              <a:t>6/26/2022</a:t>
+              <a:t>7/2/2022</a:t>
             </a:fld>
             <a:endParaRPr lang="en-US"/>
           </a:p>
@@ -680,7 +678,7 @@
           <a:p>
             <a:fld id="{EA72E7BD-C1BB-46F1-B277-8AE99D5C93A3}" type="datetimeFigureOut">
               <a:rPr lang="en-US" smtClean="0"/>
-              <a:t>6/26/2022</a:t>
+              <a:t>7/2/2022</a:t>
             </a:fld>
             <a:endParaRPr lang="en-US"/>
           </a:p>
@@ -878,7 +876,7 @@
           <a:p>
             <a:fld id="{EA72E7BD-C1BB-46F1-B277-8AE99D5C93A3}" type="datetimeFigureOut">
               <a:rPr lang="en-US" smtClean="0"/>
-              <a:t>6/26/2022</a:t>
+              <a:t>7/2/2022</a:t>
             </a:fld>
             <a:endParaRPr lang="en-US"/>
           </a:p>
@@ -1153,7 +1151,7 @@
           <a:p>
             <a:fld id="{EA72E7BD-C1BB-46F1-B277-8AE99D5C93A3}" type="datetimeFigureOut">
               <a:rPr lang="en-US" smtClean="0"/>
-              <a:t>6/26/2022</a:t>
+              <a:t>7/2/2022</a:t>
             </a:fld>
             <a:endParaRPr lang="en-US"/>
           </a:p>
@@ -1418,7 +1416,7 @@
           <a:p>
             <a:fld id="{EA72E7BD-C1BB-46F1-B277-8AE99D5C93A3}" type="datetimeFigureOut">
               <a:rPr lang="en-US" smtClean="0"/>
-              <a:t>6/26/2022</a:t>
+              <a:t>7/2/2022</a:t>
             </a:fld>
             <a:endParaRPr lang="en-US"/>
           </a:p>
@@ -1830,7 +1828,7 @@
           <a:p>
             <a:fld id="{EA72E7BD-C1BB-46F1-B277-8AE99D5C93A3}" type="datetimeFigureOut">
               <a:rPr lang="en-US" smtClean="0"/>
-              <a:t>6/26/2022</a:t>
+              <a:t>7/2/2022</a:t>
             </a:fld>
             <a:endParaRPr lang="en-US"/>
           </a:p>
@@ -1971,7 +1969,7 @@
           <a:p>
             <a:fld id="{EA72E7BD-C1BB-46F1-B277-8AE99D5C93A3}" type="datetimeFigureOut">
               <a:rPr lang="en-US" smtClean="0"/>
-              <a:t>6/26/2022</a:t>
+              <a:t>7/2/2022</a:t>
             </a:fld>
             <a:endParaRPr lang="en-US"/>
           </a:p>
@@ -2084,7 +2082,7 @@
           <a:p>
             <a:fld id="{EA72E7BD-C1BB-46F1-B277-8AE99D5C93A3}" type="datetimeFigureOut">
               <a:rPr lang="en-US" smtClean="0"/>
-              <a:t>6/26/2022</a:t>
+              <a:t>7/2/2022</a:t>
             </a:fld>
             <a:endParaRPr lang="en-US"/>
           </a:p>
@@ -2395,7 +2393,7 @@
           <a:p>
             <a:fld id="{EA72E7BD-C1BB-46F1-B277-8AE99D5C93A3}" type="datetimeFigureOut">
               <a:rPr lang="en-US" smtClean="0"/>
-              <a:t>6/26/2022</a:t>
+              <a:t>7/2/2022</a:t>
             </a:fld>
             <a:endParaRPr lang="en-US"/>
           </a:p>
@@ -2683,7 +2681,7 @@
           <a:p>
             <a:fld id="{EA72E7BD-C1BB-46F1-B277-8AE99D5C93A3}" type="datetimeFigureOut">
               <a:rPr lang="en-US" smtClean="0"/>
-              <a:t>6/26/2022</a:t>
+              <a:t>7/2/2022</a:t>
             </a:fld>
             <a:endParaRPr lang="en-US"/>
           </a:p>
@@ -2924,7 +2922,7 @@
           <a:p>
             <a:fld id="{EA72E7BD-C1BB-46F1-B277-8AE99D5C93A3}" type="datetimeFigureOut">
               <a:rPr lang="en-US" smtClean="0"/>
-              <a:t>6/26/2022</a:t>
+              <a:t>7/2/2022</a:t>
             </a:fld>
             <a:endParaRPr lang="en-US"/>
           </a:p>
@@ -3375,14 +3373,14 @@
             </a:r>
             <a:r>
               <a:rPr lang="en-US" b="1" dirty="0"/>
-              <a:t> 01</a:t>
+              <a:t> 02</a:t>
             </a:r>
             <a:br>
               <a:rPr lang="en-US" b="1" dirty="0"/>
             </a:br>
             <a:r>
               <a:rPr lang="en-US" b="1" dirty="0"/>
-              <a:t>6/29/2022</a:t>
+              <a:t>07/02/2022</a:t>
             </a:r>
             <a:br>
               <a:rPr lang="en-US" dirty="0"/>
@@ -3471,10 +3469,10 @@
       </p:grpSpPr>
       <p:sp>
         <p:nvSpPr>
-          <p:cNvPr id="2" name="Title 1">
-            <a:extLst>
-              <a:ext uri="{FF2B5EF4-FFF2-40B4-BE49-F238E27FC236}">
-                <a16:creationId xmlns:a16="http://schemas.microsoft.com/office/drawing/2014/main" id="{F19762D9-7C7C-B5F0-5954-BEF25A6623EA}"/>
+          <p:cNvPr id="5" name="Title 4">
+            <a:extLst>
+              <a:ext uri="{FF2B5EF4-FFF2-40B4-BE49-F238E27FC236}">
+                <a16:creationId xmlns:a16="http://schemas.microsoft.com/office/drawing/2014/main" id="{AC6B6A82-3D58-CFCE-58F9-940F8A7823D7}"/>
               </a:ext>
             </a:extLst>
           </p:cNvPr>
@@ -3485,235 +3483,19 @@
             <p:ph type="ctrTitle"/>
           </p:nvPr>
         </p:nvSpPr>
-        <p:spPr>
-          <a:xfrm>
-            <a:off x="0" y="653884"/>
-            <a:ext cx="12192000" cy="6204115"/>
-          </a:xfrm>
-        </p:spPr>
-        <p:txBody>
-          <a:bodyPr anchor="t">
-            <a:noAutofit/>
-          </a:bodyPr>
-          <a:lstStyle/>
-          <a:p>
-            <a:pPr algn="l"/>
-            <a:r>
-              <a:rPr lang="en-US" sz="4000" dirty="0"/>
-              <a:t> </a:t>
-            </a:r>
-          </a:p>
-        </p:txBody>
-      </p:sp>
-      <p:sp>
-        <p:nvSpPr>
-          <p:cNvPr id="3" name="Title 1">
-            <a:extLst>
-              <a:ext uri="{FF2B5EF4-FFF2-40B4-BE49-F238E27FC236}">
-                <a16:creationId xmlns:a16="http://schemas.microsoft.com/office/drawing/2014/main" id="{F8FC07DB-6C5B-E007-0C64-780C4C57AF1F}"/>
-              </a:ext>
-            </a:extLst>
-          </p:cNvPr>
-          <p:cNvSpPr txBox="1">
-            <a:spLocks/>
-          </p:cNvSpPr>
-          <p:nvPr/>
-        </p:nvSpPr>
-        <p:spPr>
-          <a:xfrm>
-            <a:off x="0" y="0"/>
-            <a:ext cx="12192000" cy="653885"/>
-          </a:xfrm>
-          <a:prstGeom prst="rect">
-            <a:avLst/>
-          </a:prstGeom>
-          <a:solidFill>
-            <a:srgbClr val="00B0F0"/>
-          </a:solidFill>
-        </p:spPr>
-        <p:txBody>
-          <a:bodyPr vert="horz" lIns="91440" tIns="45720" rIns="91440" bIns="45720" rtlCol="0" anchor="b">
-            <a:noAutofit/>
-          </a:bodyPr>
-          <a:lstStyle>
-            <a:lvl1pPr algn="ctr" defTabSz="914400" rtl="0" eaLnBrk="1" latinLnBrk="0" hangingPunct="1">
-              <a:lnSpc>
-                <a:spcPct val="90000"/>
-              </a:lnSpc>
-              <a:spcBef>
-                <a:spcPct val="0"/>
-              </a:spcBef>
-              <a:buNone/>
-              <a:defRPr sz="6000" kern="1200">
-                <a:solidFill>
-                  <a:schemeClr val="tx1"/>
-                </a:solidFill>
-                <a:latin typeface="+mj-lt"/>
-                <a:ea typeface="+mj-ea"/>
-                <a:cs typeface="+mj-cs"/>
-              </a:defRPr>
-            </a:lvl1pPr>
-          </a:lstStyle>
-          <a:p>
-            <a:pPr algn="l"/>
-            <a:r>
-              <a:rPr lang="en-US" sz="4000" dirty="0"/>
-              <a:t>Stay at colab.research.google.com</a:t>
-            </a:r>
-          </a:p>
-        </p:txBody>
-      </p:sp>
-      <p:sp>
-        <p:nvSpPr>
-          <p:cNvPr id="8" name="TextBox 7">
-            <a:extLst>
-              <a:ext uri="{FF2B5EF4-FFF2-40B4-BE49-F238E27FC236}">
-                <a16:creationId xmlns:a16="http://schemas.microsoft.com/office/drawing/2014/main" id="{9D0F494D-4CEF-9B31-9ECF-626EE389E789}"/>
-              </a:ext>
-            </a:extLst>
-          </p:cNvPr>
-          <p:cNvSpPr txBox="1"/>
-          <p:nvPr/>
-        </p:nvSpPr>
-        <p:spPr>
-          <a:xfrm>
-            <a:off x="727529" y="653883"/>
-            <a:ext cx="10644664" cy="2862322"/>
-          </a:xfrm>
-          <a:prstGeom prst="rect">
-            <a:avLst/>
-          </a:prstGeom>
-          <a:noFill/>
-        </p:spPr>
-        <p:txBody>
-          <a:bodyPr wrap="square">
-            <a:spAutoFit/>
-          </a:bodyPr>
-          <a:lstStyle/>
-          <a:p>
-            <a:r>
-              <a:rPr lang="en-US" dirty="0"/>
-              <a:t> </a:t>
-            </a:r>
-            <a:r>
-              <a:rPr lang="en-US" altLang="zh-CN" dirty="0"/>
-              <a:t>After you click, </a:t>
-            </a:r>
-          </a:p>
-          <a:p>
-            <a:r>
-              <a:rPr lang="en-US" dirty="0"/>
-              <a:t>A new </a:t>
-            </a:r>
-            <a:r>
-              <a:rPr lang="en-US" dirty="0" err="1"/>
-              <a:t>ipynb</a:t>
-            </a:r>
-            <a:r>
-              <a:rPr lang="en-US" dirty="0"/>
-              <a:t> will open up. </a:t>
-            </a:r>
-          </a:p>
-          <a:p>
-            <a:endParaRPr lang="en-US" dirty="0"/>
-          </a:p>
-          <a:p>
-            <a:r>
-              <a:rPr lang="en-US" dirty="0"/>
-              <a:t>On the very first “Cell”, </a:t>
-            </a:r>
-          </a:p>
-          <a:p>
-            <a:r>
-              <a:rPr lang="en-US" dirty="0"/>
-              <a:t>Type “</a:t>
-            </a:r>
-          </a:p>
-          <a:p>
-            <a:r>
-              <a:rPr lang="en-US" dirty="0"/>
-              <a:t>From </a:t>
-            </a:r>
-            <a:r>
-              <a:rPr lang="en-US" dirty="0" err="1"/>
-              <a:t>google.colab</a:t>
-            </a:r>
-            <a:r>
-              <a:rPr lang="en-US" dirty="0"/>
-              <a:t> import drive</a:t>
-            </a:r>
-          </a:p>
-          <a:p>
-            <a:r>
-              <a:rPr lang="en-US" dirty="0" err="1"/>
-              <a:t>drive.mount</a:t>
-            </a:r>
-            <a:r>
-              <a:rPr lang="en-US" dirty="0"/>
-              <a:t>(</a:t>
-            </a:r>
-            <a:r>
-              <a:rPr lang="zh-CN" altLang="en-US" dirty="0"/>
-              <a:t>‘</a:t>
-            </a:r>
-            <a:r>
-              <a:rPr lang="en-US" altLang="zh-CN" dirty="0"/>
-              <a:t>/content/drive’)</a:t>
-            </a:r>
-          </a:p>
-          <a:p>
-            <a:endParaRPr lang="en-US" dirty="0"/>
-          </a:p>
-          <a:p>
-            <a:r>
-              <a:rPr lang="en-US" dirty="0"/>
-              <a:t>Click the </a:t>
-            </a:r>
-            <a:r>
-              <a:rPr lang="en-US" altLang="zh-CN" dirty="0"/>
-              <a:t>arrow on the left. It will ask for permission to connect your drive. Grant it. Now your google drive is mounted. Aka, Connected. </a:t>
-            </a:r>
-            <a:r>
-              <a:rPr lang="en-US" dirty="0"/>
-              <a:t> </a:t>
-            </a:r>
-          </a:p>
-        </p:txBody>
-      </p:sp>
-      <p:pic>
-        <p:nvPicPr>
-          <p:cNvPr id="6" name="Picture 5">
-            <a:extLst>
-              <a:ext uri="{FF2B5EF4-FFF2-40B4-BE49-F238E27FC236}">
-                <a16:creationId xmlns:a16="http://schemas.microsoft.com/office/drawing/2014/main" id="{BBF79173-26EF-C8BF-FC6A-743CE5601A48}"/>
-              </a:ext>
-            </a:extLst>
-          </p:cNvPr>
-          <p:cNvPicPr>
-            <a:picLocks noChangeAspect="1"/>
-          </p:cNvPicPr>
-          <p:nvPr/>
-        </p:nvPicPr>
-        <p:blipFill>
-          <a:blip r:embed="rId2"/>
-          <a:stretch>
-            <a:fillRect/>
-          </a:stretch>
-        </p:blipFill>
-        <p:spPr>
-          <a:xfrm>
-            <a:off x="819807" y="3755941"/>
-            <a:ext cx="9250066" cy="2934109"/>
-          </a:xfrm>
-          <a:prstGeom prst="rect">
-            <a:avLst/>
-          </a:prstGeom>
-        </p:spPr>
-      </p:pic>
+        <p:spPr/>
+        <p:txBody>
+          <a:bodyPr/>
+          <a:lstStyle/>
+          <a:p>
+            <a:endParaRPr lang="en-US"/>
+          </a:p>
+        </p:txBody>
+      </p:sp>
     </p:spTree>
     <p:extLst>
       <p:ext uri="{BB962C8B-B14F-4D97-AF65-F5344CB8AC3E}">
-        <p14:creationId xmlns:p14="http://schemas.microsoft.com/office/powerpoint/2010/main" val="1101197540"/>
+        <p14:creationId xmlns:p14="http://schemas.microsoft.com/office/powerpoint/2010/main" val="1829017829"/>
       </p:ext>
     </p:extLst>
   </p:cSld>
@@ -3742,42 +3524,6 @@
       </p:grpSpPr>
       <p:sp>
         <p:nvSpPr>
-          <p:cNvPr id="2" name="Title 1">
-            <a:extLst>
-              <a:ext uri="{FF2B5EF4-FFF2-40B4-BE49-F238E27FC236}">
-                <a16:creationId xmlns:a16="http://schemas.microsoft.com/office/drawing/2014/main" id="{F19762D9-7C7C-B5F0-5954-BEF25A6623EA}"/>
-              </a:ext>
-            </a:extLst>
-          </p:cNvPr>
-          <p:cNvSpPr>
-            <a:spLocks noGrp="1"/>
-          </p:cNvSpPr>
-          <p:nvPr>
-            <p:ph type="ctrTitle"/>
-          </p:nvPr>
-        </p:nvSpPr>
-        <p:spPr>
-          <a:xfrm>
-            <a:off x="0" y="653884"/>
-            <a:ext cx="12192000" cy="6204115"/>
-          </a:xfrm>
-        </p:spPr>
-        <p:txBody>
-          <a:bodyPr anchor="t">
-            <a:noAutofit/>
-          </a:bodyPr>
-          <a:lstStyle/>
-          <a:p>
-            <a:pPr algn="l"/>
-            <a:r>
-              <a:rPr lang="en-US" sz="4000" dirty="0"/>
-              <a:t> </a:t>
-            </a:r>
-          </a:p>
-        </p:txBody>
-      </p:sp>
-      <p:sp>
-        <p:nvSpPr>
           <p:cNvPr id="3" name="Title 1">
             <a:extLst>
               <a:ext uri="{FF2B5EF4-FFF2-40B4-BE49-F238E27FC236}">
@@ -3828,18 +3574,18 @@
           <a:p>
             <a:pPr algn="l"/>
             <a:r>
-              <a:rPr lang="en-US" sz="4000" dirty="0"/>
-              <a:t>Go to https://drive.google.com/drive/u/0/my-drive</a:t>
-            </a:r>
-          </a:p>
-        </p:txBody>
-      </p:sp>
-      <p:sp>
-        <p:nvSpPr>
-          <p:cNvPr id="8" name="TextBox 7">
-            <a:extLst>
-              <a:ext uri="{FF2B5EF4-FFF2-40B4-BE49-F238E27FC236}">
-                <a16:creationId xmlns:a16="http://schemas.microsoft.com/office/drawing/2014/main" id="{9D0F494D-4CEF-9B31-9ECF-626EE389E789}"/>
+              <a:rPr lang="en-US" sz="3600" dirty="0"/>
+              <a:t>Stay with drive</a:t>
+            </a:r>
+          </a:p>
+        </p:txBody>
+      </p:sp>
+      <p:sp>
+        <p:nvSpPr>
+          <p:cNvPr id="12" name="TextBox 11">
+            <a:extLst>
+              <a:ext uri="{FF2B5EF4-FFF2-40B4-BE49-F238E27FC236}">
+                <a16:creationId xmlns:a16="http://schemas.microsoft.com/office/drawing/2014/main" id="{ECF9476B-6A83-24A7-F03B-30E6CD99A037}"/>
               </a:ext>
             </a:extLst>
           </p:cNvPr>
@@ -3848,8 +3594,8 @@
         </p:nvSpPr>
         <p:spPr>
           <a:xfrm>
-            <a:off x="149459" y="1665156"/>
-            <a:ext cx="1911339" cy="646331"/>
+            <a:off x="2648607" y="2262815"/>
+            <a:ext cx="6190592" cy="646331"/>
           </a:xfrm>
           <a:prstGeom prst="rect">
             <a:avLst/>
@@ -3862,53 +3608,25 @@
           </a:bodyPr>
           <a:lstStyle/>
           <a:p>
-            <a:r>
-              <a:rPr lang="en-US" dirty="0"/>
-              <a:t>You should see </a:t>
-            </a:r>
-          </a:p>
-          <a:p>
-            <a:r>
-              <a:rPr lang="en-US" dirty="0"/>
-              <a:t>This:</a:t>
-            </a:r>
-          </a:p>
-        </p:txBody>
-      </p:sp>
-      <p:pic>
-        <p:nvPicPr>
-          <p:cNvPr id="6" name="Picture 5">
-            <a:extLst>
-              <a:ext uri="{FF2B5EF4-FFF2-40B4-BE49-F238E27FC236}">
-                <a16:creationId xmlns:a16="http://schemas.microsoft.com/office/drawing/2014/main" id="{B61BC411-EF5A-7BB7-4346-76778CD88C71}"/>
-              </a:ext>
-            </a:extLst>
-          </p:cNvPr>
-          <p:cNvPicPr>
-            <a:picLocks noChangeAspect="1"/>
-          </p:cNvPicPr>
-          <p:nvPr/>
-        </p:nvPicPr>
-        <p:blipFill>
-          <a:blip r:embed="rId2"/>
-          <a:stretch>
-            <a:fillRect/>
-          </a:stretch>
-        </p:blipFill>
-        <p:spPr>
-          <a:xfrm>
-            <a:off x="2735077" y="1215808"/>
-            <a:ext cx="7081585" cy="5080267"/>
-          </a:xfrm>
-          <a:prstGeom prst="rect">
-            <a:avLst/>
-          </a:prstGeom>
-        </p:spPr>
-      </p:pic>
+            <a:pPr algn="l"/>
+            <a:r>
+              <a:rPr lang="en-US" altLang="zh-CN" dirty="0"/>
+              <a:t>Click the file uploaded. </a:t>
+            </a:r>
+          </a:p>
+          <a:p>
+            <a:pPr algn="l"/>
+            <a:r>
+              <a:rPr lang="en-US" sz="1800" dirty="0"/>
+              <a:t>We are ready to go!</a:t>
+            </a:r>
+          </a:p>
+        </p:txBody>
+      </p:sp>
     </p:spTree>
     <p:extLst>
       <p:ext uri="{BB962C8B-B14F-4D97-AF65-F5344CB8AC3E}">
-        <p14:creationId xmlns:p14="http://schemas.microsoft.com/office/powerpoint/2010/main" val="53435100"/>
+        <p14:creationId xmlns:p14="http://schemas.microsoft.com/office/powerpoint/2010/main" val="2798605904"/>
       </p:ext>
     </p:extLst>
   </p:cSld>
@@ -3937,344 +3655,6 @@
       </p:grpSpPr>
       <p:sp>
         <p:nvSpPr>
-          <p:cNvPr id="3" name="Title 1">
-            <a:extLst>
-              <a:ext uri="{FF2B5EF4-FFF2-40B4-BE49-F238E27FC236}">
-                <a16:creationId xmlns:a16="http://schemas.microsoft.com/office/drawing/2014/main" id="{F8FC07DB-6C5B-E007-0C64-780C4C57AF1F}"/>
-              </a:ext>
-            </a:extLst>
-          </p:cNvPr>
-          <p:cNvSpPr txBox="1">
-            <a:spLocks/>
-          </p:cNvSpPr>
-          <p:nvPr/>
-        </p:nvSpPr>
-        <p:spPr>
-          <a:xfrm>
-            <a:off x="0" y="0"/>
-            <a:ext cx="12192000" cy="653885"/>
-          </a:xfrm>
-          <a:prstGeom prst="rect">
-            <a:avLst/>
-          </a:prstGeom>
-          <a:solidFill>
-            <a:srgbClr val="00B0F0"/>
-          </a:solidFill>
-        </p:spPr>
-        <p:txBody>
-          <a:bodyPr vert="horz" lIns="91440" tIns="45720" rIns="91440" bIns="45720" rtlCol="0" anchor="b">
-            <a:noAutofit/>
-          </a:bodyPr>
-          <a:lstStyle>
-            <a:lvl1pPr algn="ctr" defTabSz="914400" rtl="0" eaLnBrk="1" latinLnBrk="0" hangingPunct="1">
-              <a:lnSpc>
-                <a:spcPct val="90000"/>
-              </a:lnSpc>
-              <a:spcBef>
-                <a:spcPct val="0"/>
-              </a:spcBef>
-              <a:buNone/>
-              <a:defRPr sz="6000" kern="1200">
-                <a:solidFill>
-                  <a:schemeClr val="tx1"/>
-                </a:solidFill>
-                <a:latin typeface="+mj-lt"/>
-                <a:ea typeface="+mj-ea"/>
-                <a:cs typeface="+mj-cs"/>
-              </a:defRPr>
-            </a:lvl1pPr>
-          </a:lstStyle>
-          <a:p>
-            <a:pPr algn="l"/>
-            <a:r>
-              <a:rPr lang="en-US" sz="3600" dirty="0"/>
-              <a:t>Stay with drive</a:t>
-            </a:r>
-          </a:p>
-        </p:txBody>
-      </p:sp>
-      <p:pic>
-        <p:nvPicPr>
-          <p:cNvPr id="7" name="Picture 6">
-            <a:extLst>
-              <a:ext uri="{FF2B5EF4-FFF2-40B4-BE49-F238E27FC236}">
-                <a16:creationId xmlns:a16="http://schemas.microsoft.com/office/drawing/2014/main" id="{3E35B7C3-1D5B-20B4-317A-CB65A1AE6C51}"/>
-              </a:ext>
-            </a:extLst>
-          </p:cNvPr>
-          <p:cNvPicPr>
-            <a:picLocks noChangeAspect="1"/>
-          </p:cNvPicPr>
-          <p:nvPr/>
-        </p:nvPicPr>
-        <p:blipFill>
-          <a:blip r:embed="rId2"/>
-          <a:stretch>
-            <a:fillRect/>
-          </a:stretch>
-        </p:blipFill>
-        <p:spPr>
-          <a:xfrm>
-            <a:off x="1545020" y="1954095"/>
-            <a:ext cx="8650013" cy="4011791"/>
-          </a:xfrm>
-          <a:prstGeom prst="rect">
-            <a:avLst/>
-          </a:prstGeom>
-        </p:spPr>
-      </p:pic>
-      <p:sp>
-        <p:nvSpPr>
-          <p:cNvPr id="11" name="TextBox 10">
-            <a:extLst>
-              <a:ext uri="{FF2B5EF4-FFF2-40B4-BE49-F238E27FC236}">
-                <a16:creationId xmlns:a16="http://schemas.microsoft.com/office/drawing/2014/main" id="{818B15DC-EDAD-8893-1A3A-BDB374597441}"/>
-              </a:ext>
-            </a:extLst>
-          </p:cNvPr>
-          <p:cNvSpPr txBox="1"/>
-          <p:nvPr/>
-        </p:nvSpPr>
-        <p:spPr>
-          <a:xfrm>
-            <a:off x="488731" y="868859"/>
-            <a:ext cx="6190592" cy="369332"/>
-          </a:xfrm>
-          <a:prstGeom prst="rect">
-            <a:avLst/>
-          </a:prstGeom>
-          <a:noFill/>
-        </p:spPr>
-        <p:txBody>
-          <a:bodyPr wrap="square">
-            <a:spAutoFit/>
-          </a:bodyPr>
-          <a:lstStyle/>
-          <a:p>
-            <a:pPr algn="l"/>
-            <a:r>
-              <a:rPr lang="en-US" sz="1800" dirty="0"/>
-              <a:t>Now, create a folder under your drive’s </a:t>
-            </a:r>
-            <a:r>
-              <a:rPr lang="en-US" sz="1800" dirty="0" err="1"/>
-              <a:t>colab</a:t>
-            </a:r>
-            <a:r>
-              <a:rPr lang="en-US" sz="1800" dirty="0"/>
-              <a:t> notebooks folder</a:t>
-            </a:r>
-          </a:p>
-        </p:txBody>
-      </p:sp>
-      <p:sp>
-        <p:nvSpPr>
-          <p:cNvPr id="12" name="TextBox 11">
-            <a:extLst>
-              <a:ext uri="{FF2B5EF4-FFF2-40B4-BE49-F238E27FC236}">
-                <a16:creationId xmlns:a16="http://schemas.microsoft.com/office/drawing/2014/main" id="{ECF9476B-6A83-24A7-F03B-30E6CD99A037}"/>
-              </a:ext>
-            </a:extLst>
-          </p:cNvPr>
-          <p:cNvSpPr txBox="1"/>
-          <p:nvPr/>
-        </p:nvSpPr>
-        <p:spPr>
-          <a:xfrm>
-            <a:off x="367862" y="1411477"/>
-            <a:ext cx="6190592" cy="369332"/>
-          </a:xfrm>
-          <a:prstGeom prst="rect">
-            <a:avLst/>
-          </a:prstGeom>
-          <a:noFill/>
-        </p:spPr>
-        <p:txBody>
-          <a:bodyPr wrap="square">
-            <a:spAutoFit/>
-          </a:bodyPr>
-          <a:lstStyle/>
-          <a:p>
-            <a:pPr algn="l"/>
-            <a:r>
-              <a:rPr lang="en-US" altLang="zh-CN" dirty="0"/>
-              <a:t>Also upload the file you </a:t>
-            </a:r>
-            <a:r>
-              <a:rPr lang="zh-CN" altLang="en-US" dirty="0"/>
-              <a:t>“</a:t>
-            </a:r>
-            <a:r>
-              <a:rPr lang="en-US" altLang="zh-CN" dirty="0"/>
-              <a:t>pull” ed from our project rep. </a:t>
-            </a:r>
-            <a:endParaRPr lang="en-US" sz="1800" dirty="0"/>
-          </a:p>
-        </p:txBody>
-      </p:sp>
-    </p:spTree>
-    <p:extLst>
-      <p:ext uri="{BB962C8B-B14F-4D97-AF65-F5344CB8AC3E}">
-        <p14:creationId xmlns:p14="http://schemas.microsoft.com/office/powerpoint/2010/main" val="3472066179"/>
-      </p:ext>
-    </p:extLst>
-  </p:cSld>
-  <p:clrMapOvr>
-    <a:masterClrMapping/>
-  </p:clrMapOvr>
-</p:sld>
-</file>
-
-<file path=ppt/slides/slide13.xml><?xml version="1.0" encoding="utf-8"?>
-<p:sld xmlns:a="http://schemas.openxmlformats.org/drawingml/2006/main" xmlns:r="http://schemas.openxmlformats.org/officeDocument/2006/relationships" xmlns:p="http://schemas.openxmlformats.org/presentationml/2006/main">
-  <p:cSld>
-    <p:spTree>
-      <p:nvGrpSpPr>
-        <p:cNvPr id="1" name=""/>
-        <p:cNvGrpSpPr/>
-        <p:nvPr/>
-      </p:nvGrpSpPr>
-      <p:grpSpPr>
-        <a:xfrm>
-          <a:off x="0" y="0"/>
-          <a:ext cx="0" cy="0"/>
-          <a:chOff x="0" y="0"/>
-          <a:chExt cx="0" cy="0"/>
-        </a:xfrm>
-      </p:grpSpPr>
-      <p:sp>
-        <p:nvSpPr>
-          <p:cNvPr id="3" name="Title 1">
-            <a:extLst>
-              <a:ext uri="{FF2B5EF4-FFF2-40B4-BE49-F238E27FC236}">
-                <a16:creationId xmlns:a16="http://schemas.microsoft.com/office/drawing/2014/main" id="{F8FC07DB-6C5B-E007-0C64-780C4C57AF1F}"/>
-              </a:ext>
-            </a:extLst>
-          </p:cNvPr>
-          <p:cNvSpPr txBox="1">
-            <a:spLocks/>
-          </p:cNvSpPr>
-          <p:nvPr/>
-        </p:nvSpPr>
-        <p:spPr>
-          <a:xfrm>
-            <a:off x="0" y="0"/>
-            <a:ext cx="12192000" cy="653885"/>
-          </a:xfrm>
-          <a:prstGeom prst="rect">
-            <a:avLst/>
-          </a:prstGeom>
-          <a:solidFill>
-            <a:srgbClr val="00B0F0"/>
-          </a:solidFill>
-        </p:spPr>
-        <p:txBody>
-          <a:bodyPr vert="horz" lIns="91440" tIns="45720" rIns="91440" bIns="45720" rtlCol="0" anchor="b">
-            <a:noAutofit/>
-          </a:bodyPr>
-          <a:lstStyle>
-            <a:lvl1pPr algn="ctr" defTabSz="914400" rtl="0" eaLnBrk="1" latinLnBrk="0" hangingPunct="1">
-              <a:lnSpc>
-                <a:spcPct val="90000"/>
-              </a:lnSpc>
-              <a:spcBef>
-                <a:spcPct val="0"/>
-              </a:spcBef>
-              <a:buNone/>
-              <a:defRPr sz="6000" kern="1200">
-                <a:solidFill>
-                  <a:schemeClr val="tx1"/>
-                </a:solidFill>
-                <a:latin typeface="+mj-lt"/>
-                <a:ea typeface="+mj-ea"/>
-                <a:cs typeface="+mj-cs"/>
-              </a:defRPr>
-            </a:lvl1pPr>
-          </a:lstStyle>
-          <a:p>
-            <a:pPr algn="l"/>
-            <a:r>
-              <a:rPr lang="en-US" sz="3600" dirty="0"/>
-              <a:t>Stay with drive</a:t>
-            </a:r>
-          </a:p>
-        </p:txBody>
-      </p:sp>
-      <p:sp>
-        <p:nvSpPr>
-          <p:cNvPr id="12" name="TextBox 11">
-            <a:extLst>
-              <a:ext uri="{FF2B5EF4-FFF2-40B4-BE49-F238E27FC236}">
-                <a16:creationId xmlns:a16="http://schemas.microsoft.com/office/drawing/2014/main" id="{ECF9476B-6A83-24A7-F03B-30E6CD99A037}"/>
-              </a:ext>
-            </a:extLst>
-          </p:cNvPr>
-          <p:cNvSpPr txBox="1"/>
-          <p:nvPr/>
-        </p:nvSpPr>
-        <p:spPr>
-          <a:xfrm>
-            <a:off x="2648607" y="2262815"/>
-            <a:ext cx="6190592" cy="646331"/>
-          </a:xfrm>
-          <a:prstGeom prst="rect">
-            <a:avLst/>
-          </a:prstGeom>
-          <a:noFill/>
-        </p:spPr>
-        <p:txBody>
-          <a:bodyPr wrap="square">
-            <a:spAutoFit/>
-          </a:bodyPr>
-          <a:lstStyle/>
-          <a:p>
-            <a:pPr algn="l"/>
-            <a:r>
-              <a:rPr lang="en-US" altLang="zh-CN" dirty="0"/>
-              <a:t>Click the file uploaded. </a:t>
-            </a:r>
-          </a:p>
-          <a:p>
-            <a:pPr algn="l"/>
-            <a:r>
-              <a:rPr lang="en-US" sz="1800" dirty="0"/>
-              <a:t>We are ready to go!</a:t>
-            </a:r>
-          </a:p>
-        </p:txBody>
-      </p:sp>
-    </p:spTree>
-    <p:extLst>
-      <p:ext uri="{BB962C8B-B14F-4D97-AF65-F5344CB8AC3E}">
-        <p14:creationId xmlns:p14="http://schemas.microsoft.com/office/powerpoint/2010/main" val="2798605904"/>
-      </p:ext>
-    </p:extLst>
-  </p:cSld>
-  <p:clrMapOvr>
-    <a:masterClrMapping/>
-  </p:clrMapOvr>
-</p:sld>
-</file>
-
-<file path=ppt/slides/slide14.xml><?xml version="1.0" encoding="utf-8"?>
-<p:sld xmlns:a="http://schemas.openxmlformats.org/drawingml/2006/main" xmlns:r="http://schemas.openxmlformats.org/officeDocument/2006/relationships" xmlns:p="http://schemas.openxmlformats.org/presentationml/2006/main">
-  <p:cSld>
-    <p:spTree>
-      <p:nvGrpSpPr>
-        <p:cNvPr id="1" name=""/>
-        <p:cNvGrpSpPr/>
-        <p:nvPr/>
-      </p:nvGrpSpPr>
-      <p:grpSpPr>
-        <a:xfrm>
-          <a:off x="0" y="0"/>
-          <a:ext cx="0" cy="0"/>
-          <a:chOff x="0" y="0"/>
-          <a:chExt cx="0" cy="0"/>
-        </a:xfrm>
-      </p:grpSpPr>
-      <p:sp>
-        <p:nvSpPr>
           <p:cNvPr id="2" name="Title 1">
             <a:extLst>
               <a:ext uri="{FF2B5EF4-FFF2-40B4-BE49-F238E27FC236}">
@@ -4568,7 +3948,7 @@
 </p:sld>
 </file>
 
-<file path=ppt/slides/slide15.xml><?xml version="1.0" encoding="utf-8"?>
+<file path=ppt/slides/slide13.xml><?xml version="1.0" encoding="utf-8"?>
 <p:sld xmlns:a="http://schemas.openxmlformats.org/drawingml/2006/main" xmlns:r="http://schemas.openxmlformats.org/officeDocument/2006/relationships" xmlns:p="http://schemas.openxmlformats.org/presentationml/2006/main">
   <p:cSld>
     <p:spTree>
@@ -5181,7 +4561,7 @@
 </p:sld>
 </file>
 
-<file path=ppt/slides/slide16.xml><?xml version="1.0" encoding="utf-8"?>
+<file path=ppt/slides/slide14.xml><?xml version="1.0" encoding="utf-8"?>
 <p:sld xmlns:a="http://schemas.openxmlformats.org/drawingml/2006/main" xmlns:r="http://schemas.openxmlformats.org/officeDocument/2006/relationships" xmlns:p="http://schemas.openxmlformats.org/presentationml/2006/main">
   <p:cSld>
     <p:spTree>
@@ -5624,10 +5004,10 @@
       </p:sp>
       <p:pic>
         <p:nvPicPr>
-          <p:cNvPr id="4" name="Picture 3">
-            <a:extLst>
-              <a:ext uri="{FF2B5EF4-FFF2-40B4-BE49-F238E27FC236}">
-                <a16:creationId xmlns:a16="http://schemas.microsoft.com/office/drawing/2014/main" id="{F6FF4463-7484-1AF0-B42D-27C056E1F632}"/>
+          <p:cNvPr id="6" name="Picture 5">
+            <a:extLst>
+              <a:ext uri="{FF2B5EF4-FFF2-40B4-BE49-F238E27FC236}">
+                <a16:creationId xmlns:a16="http://schemas.microsoft.com/office/drawing/2014/main" id="{3151C30D-BF40-52EA-74E0-E90A1D79B43C}"/>
               </a:ext>
             </a:extLst>
           </p:cNvPr>
@@ -5644,8 +5024,8 @@
         </p:blipFill>
         <p:spPr>
           <a:xfrm>
-            <a:off x="367697" y="1583614"/>
-            <a:ext cx="10285966" cy="3354442"/>
+            <a:off x="882704" y="1268038"/>
+            <a:ext cx="8240275" cy="4589821"/>
           </a:xfrm>
           <a:prstGeom prst="rect">
             <a:avLst/>
@@ -5684,10 +5064,10 @@
       </p:grpSpPr>
       <p:sp>
         <p:nvSpPr>
-          <p:cNvPr id="2" name="Title 1">
-            <a:extLst>
-              <a:ext uri="{FF2B5EF4-FFF2-40B4-BE49-F238E27FC236}">
-                <a16:creationId xmlns:a16="http://schemas.microsoft.com/office/drawing/2014/main" id="{F19762D9-7C7C-B5F0-5954-BEF25A6623EA}"/>
+          <p:cNvPr id="5" name="Title 4">
+            <a:extLst>
+              <a:ext uri="{FF2B5EF4-FFF2-40B4-BE49-F238E27FC236}">
+                <a16:creationId xmlns:a16="http://schemas.microsoft.com/office/drawing/2014/main" id="{AC6B6A82-3D58-CFCE-58F9-940F8A7823D7}"/>
               </a:ext>
             </a:extLst>
           </p:cNvPr>
@@ -5700,31 +5080,27 @@
         </p:nvSpPr>
         <p:spPr>
           <a:xfrm>
-            <a:off x="0" y="481232"/>
-            <a:ext cx="12192000" cy="674906"/>
-          </a:xfrm>
-        </p:spPr>
-        <p:txBody>
-          <a:bodyPr anchor="t">
-            <a:noAutofit/>
-          </a:bodyPr>
-          <a:lstStyle/>
-          <a:p>
-            <a:pPr algn="l"/>
-            <a:r>
-              <a:rPr lang="en-US" altLang="zh-CN" sz="4000" b="1" dirty="0"/>
-              <a:t>How do we do the lesson – Now and next two weeks </a:t>
-            </a:r>
-            <a:endParaRPr lang="en-US" sz="4000" dirty="0"/>
-          </a:p>
-        </p:txBody>
-      </p:sp>
-      <p:sp>
-        <p:nvSpPr>
-          <p:cNvPr id="3" name="TextBox 2">
-            <a:extLst>
-              <a:ext uri="{FF2B5EF4-FFF2-40B4-BE49-F238E27FC236}">
-                <a16:creationId xmlns:a16="http://schemas.microsoft.com/office/drawing/2014/main" id="{DE655212-730A-0C73-FDFF-2AA1B81AC5A2}"/>
+            <a:off x="1387366" y="640577"/>
+            <a:ext cx="9144000" cy="1063789"/>
+          </a:xfrm>
+        </p:spPr>
+        <p:txBody>
+          <a:bodyPr/>
+          <a:lstStyle/>
+          <a:p>
+            <a:r>
+              <a:rPr lang="en-US" dirty="0"/>
+              <a:t>Decks Referenced:</a:t>
+            </a:r>
+          </a:p>
+        </p:txBody>
+      </p:sp>
+      <p:sp>
+        <p:nvSpPr>
+          <p:cNvPr id="4" name="TextBox 3">
+            <a:extLst>
+              <a:ext uri="{FF2B5EF4-FFF2-40B4-BE49-F238E27FC236}">
+                <a16:creationId xmlns:a16="http://schemas.microsoft.com/office/drawing/2014/main" id="{E059ED0C-3148-CFA3-AADE-42D7B73D549D}"/>
               </a:ext>
             </a:extLst>
           </p:cNvPr>
@@ -5733,8 +5109,8 @@
         </p:nvSpPr>
         <p:spPr>
           <a:xfrm>
-            <a:off x="9553903" y="0"/>
-            <a:ext cx="2638097" cy="369332"/>
+            <a:off x="3048000" y="2419883"/>
+            <a:ext cx="6096000" cy="369332"/>
           </a:xfrm>
           <a:prstGeom prst="rect">
             <a:avLst/>
@@ -5742,463 +5118,24 @@
           <a:noFill/>
         </p:spPr>
         <p:txBody>
-          <a:bodyPr wrap="square" rtlCol="0">
+          <a:bodyPr wrap="square">
             <a:spAutoFit/>
           </a:bodyPr>
           <a:lstStyle/>
           <a:p>
             <a:r>
-              <a:rPr lang="en-US" altLang="zh-CN" b="1" dirty="0">
-                <a:solidFill>
-                  <a:schemeClr val="bg1">
-                    <a:lumMod val="85000"/>
-                  </a:schemeClr>
-                </a:solidFill>
-              </a:rPr>
-              <a:t>Stem Pro Academy, 2022</a:t>
-            </a:r>
-            <a:endParaRPr lang="en-US" b="1" dirty="0">
-              <a:solidFill>
-                <a:schemeClr val="bg1">
-                  <a:lumMod val="85000"/>
-                </a:schemeClr>
-              </a:solidFill>
-            </a:endParaRPr>
-          </a:p>
-        </p:txBody>
-      </p:sp>
-      <p:sp>
-        <p:nvSpPr>
-          <p:cNvPr id="6" name="Thought Bubble: Cloud 5">
-            <a:extLst>
-              <a:ext uri="{FF2B5EF4-FFF2-40B4-BE49-F238E27FC236}">
-                <a16:creationId xmlns:a16="http://schemas.microsoft.com/office/drawing/2014/main" id="{B74A2A15-904A-B442-A63A-1041DE86D23C}"/>
-              </a:ext>
-            </a:extLst>
-          </p:cNvPr>
-          <p:cNvSpPr/>
-          <p:nvPr/>
-        </p:nvSpPr>
-        <p:spPr>
-          <a:xfrm>
-            <a:off x="220715" y="1501665"/>
-            <a:ext cx="2669628" cy="1248103"/>
-          </a:xfrm>
-          <a:prstGeom prst="cloudCallout">
-            <a:avLst/>
-          </a:prstGeom>
-          <a:solidFill>
-            <a:schemeClr val="bg2"/>
-          </a:solidFill>
-        </p:spPr>
-        <p:style>
-          <a:lnRef idx="2">
-            <a:schemeClr val="accent1">
-              <a:shade val="50000"/>
-            </a:schemeClr>
-          </a:lnRef>
-          <a:fillRef idx="1">
-            <a:schemeClr val="accent1"/>
-          </a:fillRef>
-          <a:effectRef idx="0">
-            <a:schemeClr val="accent1"/>
-          </a:effectRef>
-          <a:fontRef idx="minor">
-            <a:schemeClr val="lt1"/>
-          </a:fontRef>
-        </p:style>
-        <p:txBody>
-          <a:bodyPr rtlCol="0" anchor="ctr"/>
-          <a:lstStyle/>
-          <a:p>
-            <a:pPr algn="ctr"/>
-            <a:r>
-              <a:rPr lang="en-US" dirty="0" err="1">
-                <a:hlinkClick r:id="rId2"/>
-              </a:rPr>
-              <a:t>Github</a:t>
-            </a:r>
-            <a:endParaRPr lang="en-US" dirty="0"/>
-          </a:p>
-          <a:p>
-            <a:pPr algn="ctr"/>
-            <a:r>
-              <a:rPr lang="en-US" dirty="0" err="1">
-                <a:solidFill>
-                  <a:srgbClr val="002060"/>
-                </a:solidFill>
-              </a:rPr>
-              <a:t>basemip</a:t>
-            </a:r>
-            <a:endParaRPr lang="en-US" dirty="0">
-              <a:solidFill>
-                <a:srgbClr val="002060"/>
-              </a:solidFill>
-            </a:endParaRPr>
-          </a:p>
-        </p:txBody>
-      </p:sp>
-      <p:sp>
-        <p:nvSpPr>
-          <p:cNvPr id="7" name="Flowchart: Process 6">
-            <a:extLst>
-              <a:ext uri="{FF2B5EF4-FFF2-40B4-BE49-F238E27FC236}">
-                <a16:creationId xmlns:a16="http://schemas.microsoft.com/office/drawing/2014/main" id="{30DB0B56-A838-2262-8AD5-B2C21139DBAF}"/>
-              </a:ext>
-            </a:extLst>
-          </p:cNvPr>
-          <p:cNvSpPr/>
-          <p:nvPr/>
-        </p:nvSpPr>
-        <p:spPr>
-          <a:xfrm>
-            <a:off x="630618" y="4108233"/>
-            <a:ext cx="2816773" cy="1072055"/>
-          </a:xfrm>
-          <a:prstGeom prst="flowChartProcess">
-            <a:avLst/>
-          </a:prstGeom>
-          <a:solidFill>
-            <a:srgbClr val="00B050"/>
-          </a:solidFill>
-        </p:spPr>
-        <p:style>
-          <a:lnRef idx="2">
-            <a:schemeClr val="accent1">
-              <a:shade val="50000"/>
-            </a:schemeClr>
-          </a:lnRef>
-          <a:fillRef idx="1">
-            <a:schemeClr val="accent1"/>
-          </a:fillRef>
-          <a:effectRef idx="0">
-            <a:schemeClr val="accent1"/>
-          </a:effectRef>
-          <a:fontRef idx="minor">
-            <a:schemeClr val="lt1"/>
-          </a:fontRef>
-        </p:style>
-        <p:txBody>
-          <a:bodyPr rtlCol="0" anchor="ctr"/>
-          <a:lstStyle/>
-          <a:p>
-            <a:pPr algn="ctr"/>
-            <a:r>
               <a:rPr lang="en-US" dirty="0"/>
-              <a:t>Your</a:t>
-            </a:r>
-            <a:r>
-              <a:rPr lang="zh-CN" altLang="en-US" dirty="0"/>
-              <a:t> </a:t>
-            </a:r>
-            <a:r>
-              <a:rPr lang="en-US" altLang="zh-CN" dirty="0"/>
-              <a:t>local</a:t>
-            </a:r>
-            <a:r>
-              <a:rPr lang="zh-CN" altLang="en-US" dirty="0"/>
-              <a:t> </a:t>
-            </a:r>
-            <a:r>
-              <a:rPr lang="en-US" altLang="zh-CN" dirty="0"/>
-              <a:t>drive</a:t>
-            </a:r>
-          </a:p>
-          <a:p>
-            <a:pPr algn="ctr"/>
-            <a:r>
-              <a:rPr lang="en-US" dirty="0"/>
-              <a:t>C:/basemip</a:t>
-            </a:r>
-          </a:p>
-        </p:txBody>
-      </p:sp>
-      <p:sp>
-        <p:nvSpPr>
-          <p:cNvPr id="8" name="Thought Bubble: Cloud 7">
-            <a:extLst>
-              <a:ext uri="{FF2B5EF4-FFF2-40B4-BE49-F238E27FC236}">
-                <a16:creationId xmlns:a16="http://schemas.microsoft.com/office/drawing/2014/main" id="{BF8EE65D-6AF3-E9A3-6A88-C263CBE366CE}"/>
-              </a:ext>
-            </a:extLst>
-          </p:cNvPr>
-          <p:cNvSpPr/>
-          <p:nvPr/>
-        </p:nvSpPr>
-        <p:spPr>
-          <a:xfrm>
-            <a:off x="4030714" y="1501664"/>
-            <a:ext cx="3578773" cy="1248103"/>
-          </a:xfrm>
-          <a:prstGeom prst="cloudCallout">
-            <a:avLst/>
-          </a:prstGeom>
-          <a:solidFill>
-            <a:schemeClr val="bg2"/>
-          </a:solidFill>
-        </p:spPr>
-        <p:style>
-          <a:lnRef idx="2">
-            <a:schemeClr val="accent1">
-              <a:shade val="50000"/>
-            </a:schemeClr>
-          </a:lnRef>
-          <a:fillRef idx="1">
-            <a:schemeClr val="accent1"/>
-          </a:fillRef>
-          <a:effectRef idx="0">
-            <a:schemeClr val="accent1"/>
-          </a:effectRef>
-          <a:fontRef idx="minor">
-            <a:schemeClr val="lt1"/>
-          </a:fontRef>
-        </p:style>
-        <p:txBody>
-          <a:bodyPr rtlCol="0" anchor="ctr"/>
-          <a:lstStyle/>
-          <a:p>
-            <a:pPr algn="ctr"/>
-            <a:r>
-              <a:rPr lang="en-US" dirty="0">
-                <a:solidFill>
-                  <a:srgbClr val="002060"/>
-                </a:solidFill>
-              </a:rPr>
-              <a:t>Your google Drive</a:t>
-            </a:r>
-          </a:p>
-          <a:p>
-            <a:pPr algn="ctr"/>
-            <a:r>
-              <a:rPr lang="en-US" dirty="0">
-                <a:solidFill>
-                  <a:srgbClr val="002060"/>
-                </a:solidFill>
-              </a:rPr>
-              <a:t>Drive:/</a:t>
-            </a:r>
-            <a:r>
-              <a:rPr lang="en-US" dirty="0" err="1">
-                <a:solidFill>
-                  <a:srgbClr val="002060"/>
-                </a:solidFill>
-              </a:rPr>
-              <a:t>colab</a:t>
-            </a:r>
-            <a:r>
-              <a:rPr lang="en-US" dirty="0">
-                <a:solidFill>
-                  <a:srgbClr val="002060"/>
-                </a:solidFill>
-              </a:rPr>
-              <a:t> notebooks/lessons</a:t>
-            </a:r>
-          </a:p>
-        </p:txBody>
-      </p:sp>
-      <p:cxnSp>
-        <p:nvCxnSpPr>
-          <p:cNvPr id="10" name="Straight Arrow Connector 9">
-            <a:extLst>
-              <a:ext uri="{FF2B5EF4-FFF2-40B4-BE49-F238E27FC236}">
-                <a16:creationId xmlns:a16="http://schemas.microsoft.com/office/drawing/2014/main" id="{2B47EA9D-0920-A49E-2250-981E71CC78DA}"/>
-              </a:ext>
-            </a:extLst>
-          </p:cNvPr>
-          <p:cNvCxnSpPr>
-            <a:cxnSpLocks/>
-            <a:endCxn id="7" idx="0"/>
-          </p:cNvCxnSpPr>
-          <p:nvPr/>
-        </p:nvCxnSpPr>
-        <p:spPr>
-          <a:xfrm>
-            <a:off x="1807779" y="2827283"/>
-            <a:ext cx="231226" cy="1280950"/>
-          </a:xfrm>
-          <a:prstGeom prst="straightConnector1">
-            <a:avLst/>
-          </a:prstGeom>
-          <a:ln w="76200">
-            <a:tailEnd type="triangle"/>
-          </a:ln>
-        </p:spPr>
-        <p:style>
-          <a:lnRef idx="1">
-            <a:schemeClr val="accent1"/>
-          </a:lnRef>
-          <a:fillRef idx="0">
-            <a:schemeClr val="accent1"/>
-          </a:fillRef>
-          <a:effectRef idx="0">
-            <a:schemeClr val="accent1"/>
-          </a:effectRef>
-          <a:fontRef idx="minor">
-            <a:schemeClr val="tx1"/>
-          </a:fontRef>
-        </p:style>
-      </p:cxnSp>
-      <p:cxnSp>
-        <p:nvCxnSpPr>
-          <p:cNvPr id="12" name="Straight Arrow Connector 11">
-            <a:extLst>
-              <a:ext uri="{FF2B5EF4-FFF2-40B4-BE49-F238E27FC236}">
-                <a16:creationId xmlns:a16="http://schemas.microsoft.com/office/drawing/2014/main" id="{1CAADE9A-59CB-20BE-3B30-87976867388C}"/>
-              </a:ext>
-            </a:extLst>
-          </p:cNvPr>
-          <p:cNvCxnSpPr>
-            <a:cxnSpLocks/>
-          </p:cNvCxnSpPr>
-          <p:nvPr/>
-        </p:nvCxnSpPr>
-        <p:spPr>
-          <a:xfrm flipV="1">
-            <a:off x="2575033" y="2749102"/>
-            <a:ext cx="2238705" cy="1359131"/>
-          </a:xfrm>
-          <a:prstGeom prst="straightConnector1">
-            <a:avLst/>
-          </a:prstGeom>
-          <a:ln w="76200">
-            <a:solidFill>
-              <a:srgbClr val="002060"/>
-            </a:solidFill>
-            <a:tailEnd type="triangle"/>
-          </a:ln>
-        </p:spPr>
-        <p:style>
-          <a:lnRef idx="1">
-            <a:schemeClr val="accent1"/>
-          </a:lnRef>
-          <a:fillRef idx="0">
-            <a:schemeClr val="accent1"/>
-          </a:fillRef>
-          <a:effectRef idx="0">
-            <a:schemeClr val="accent1"/>
-          </a:effectRef>
-          <a:fontRef idx="minor">
-            <a:schemeClr val="tx1"/>
-          </a:fontRef>
-        </p:style>
-      </p:cxnSp>
-      <p:pic>
-        <p:nvPicPr>
-          <p:cNvPr id="14" name="Picture 13">
-            <a:extLst>
-              <a:ext uri="{FF2B5EF4-FFF2-40B4-BE49-F238E27FC236}">
-                <a16:creationId xmlns:a16="http://schemas.microsoft.com/office/drawing/2014/main" id="{DEC97C53-8B5E-33BC-45D6-6D39EECB0DF5}"/>
-              </a:ext>
-            </a:extLst>
-          </p:cNvPr>
-          <p:cNvPicPr>
-            <a:picLocks noChangeAspect="1"/>
-          </p:cNvPicPr>
-          <p:nvPr/>
-        </p:nvPicPr>
-        <p:blipFill>
-          <a:blip r:embed="rId3"/>
-          <a:stretch>
-            <a:fillRect/>
-          </a:stretch>
-        </p:blipFill>
-        <p:spPr>
-          <a:xfrm>
-            <a:off x="9065168" y="1249721"/>
-            <a:ext cx="2538767" cy="1405134"/>
-          </a:xfrm>
-          <a:prstGeom prst="rect">
-            <a:avLst/>
-          </a:prstGeom>
-        </p:spPr>
-      </p:pic>
-      <p:cxnSp>
-        <p:nvCxnSpPr>
-          <p:cNvPr id="16" name="Straight Arrow Connector 15">
-            <a:extLst>
-              <a:ext uri="{FF2B5EF4-FFF2-40B4-BE49-F238E27FC236}">
-                <a16:creationId xmlns:a16="http://schemas.microsoft.com/office/drawing/2014/main" id="{8374C173-BB97-BF57-595A-9D95B31664C3}"/>
-              </a:ext>
-            </a:extLst>
-          </p:cNvPr>
-          <p:cNvCxnSpPr>
-            <a:stCxn id="8" idx="2"/>
-            <a:endCxn id="14" idx="1"/>
-          </p:cNvCxnSpPr>
-          <p:nvPr/>
-        </p:nvCxnSpPr>
-        <p:spPr>
-          <a:xfrm flipV="1">
-            <a:off x="7606505" y="1952288"/>
-            <a:ext cx="1458663" cy="173428"/>
-          </a:xfrm>
-          <a:prstGeom prst="straightConnector1">
-            <a:avLst/>
-          </a:prstGeom>
-          <a:ln w="76200">
-            <a:tailEnd type="triangle"/>
-          </a:ln>
-        </p:spPr>
-        <p:style>
-          <a:lnRef idx="1">
-            <a:schemeClr val="accent1"/>
-          </a:lnRef>
-          <a:fillRef idx="0">
-            <a:schemeClr val="accent1"/>
-          </a:fillRef>
-          <a:effectRef idx="0">
-            <a:schemeClr val="accent1"/>
-          </a:effectRef>
-          <a:fontRef idx="minor">
-            <a:schemeClr val="tx1"/>
-          </a:fontRef>
-        </p:style>
-      </p:cxnSp>
-      <p:cxnSp>
-        <p:nvCxnSpPr>
-          <p:cNvPr id="18" name="Straight Arrow Connector 17">
-            <a:extLst>
-              <a:ext uri="{FF2B5EF4-FFF2-40B4-BE49-F238E27FC236}">
-                <a16:creationId xmlns:a16="http://schemas.microsoft.com/office/drawing/2014/main" id="{AD3B8187-97C2-8014-9FD4-F2B205D0505C}"/>
-              </a:ext>
-            </a:extLst>
-          </p:cNvPr>
-          <p:cNvCxnSpPr/>
-          <p:nvPr/>
-        </p:nvCxnSpPr>
-        <p:spPr>
-          <a:xfrm flipH="1" flipV="1">
-            <a:off x="1156138" y="2827283"/>
-            <a:ext cx="210207" cy="1280950"/>
-          </a:xfrm>
-          <a:prstGeom prst="straightConnector1">
-            <a:avLst/>
-          </a:prstGeom>
-          <a:ln w="76200">
-            <a:tailEnd type="triangle"/>
-          </a:ln>
-        </p:spPr>
-        <p:style>
-          <a:lnRef idx="1">
-            <a:schemeClr val="accent1"/>
-          </a:lnRef>
-          <a:fillRef idx="0">
-            <a:schemeClr val="accent1"/>
-          </a:fillRef>
-          <a:effectRef idx="0">
-            <a:schemeClr val="accent1"/>
-          </a:effectRef>
-          <a:fontRef idx="minor">
-            <a:schemeClr val="tx1"/>
-          </a:fontRef>
-        </p:style>
-      </p:cxnSp>
-      <p:sp>
-        <p:nvSpPr>
-          <p:cNvPr id="22" name="TextBox 21">
-            <a:extLst>
-              <a:ext uri="{FF2B5EF4-FFF2-40B4-BE49-F238E27FC236}">
-                <a16:creationId xmlns:a16="http://schemas.microsoft.com/office/drawing/2014/main" id="{054624CB-7C87-4AB3-A5B7-6673CC53F676}"/>
+              <a:t>CrossLesson_gitbash_basemip.pptx</a:t>
+            </a:r>
+          </a:p>
+        </p:txBody>
+      </p:sp>
+      <p:sp>
+        <p:nvSpPr>
+          <p:cNvPr id="6" name="TextBox 5">
+            <a:extLst>
+              <a:ext uri="{FF2B5EF4-FFF2-40B4-BE49-F238E27FC236}">
+                <a16:creationId xmlns:a16="http://schemas.microsoft.com/office/drawing/2014/main" id="{C896FF76-1114-0EE5-E08D-9A77B0A6852E}"/>
               </a:ext>
             </a:extLst>
           </p:cNvPr>
@@ -6207,8 +5144,8 @@
         </p:nvSpPr>
         <p:spPr>
           <a:xfrm>
-            <a:off x="3026979" y="3111062"/>
-            <a:ext cx="1261242" cy="369332"/>
+            <a:off x="3048000" y="2972838"/>
+            <a:ext cx="6096000" cy="369332"/>
           </a:xfrm>
           <a:prstGeom prst="rect">
             <a:avLst/>
@@ -6216,14 +5153,14 @@
           <a:noFill/>
         </p:spPr>
         <p:txBody>
-          <a:bodyPr wrap="square" rtlCol="0">
+          <a:bodyPr wrap="square">
             <a:spAutoFit/>
           </a:bodyPr>
           <a:lstStyle/>
           <a:p>
             <a:r>
-              <a:rPr lang="en-US" altLang="zh-CN" dirty="0"/>
-              <a:t>Upload</a:t>
+              <a:rPr lang="en-US" dirty="0" err="1"/>
+              <a:t>CrossLesson_python.ipynb</a:t>
             </a:r>
             <a:endParaRPr lang="en-US" dirty="0"/>
           </a:p>
@@ -6231,10 +5168,10 @@
       </p:sp>
       <p:sp>
         <p:nvSpPr>
-          <p:cNvPr id="23" name="TextBox 22">
-            <a:extLst>
-              <a:ext uri="{FF2B5EF4-FFF2-40B4-BE49-F238E27FC236}">
-                <a16:creationId xmlns:a16="http://schemas.microsoft.com/office/drawing/2014/main" id="{03F0A18B-2E39-FED6-FD5B-BC26921C76FB}"/>
+          <p:cNvPr id="8" name="TextBox 7">
+            <a:extLst>
+              <a:ext uri="{FF2B5EF4-FFF2-40B4-BE49-F238E27FC236}">
+                <a16:creationId xmlns:a16="http://schemas.microsoft.com/office/drawing/2014/main" id="{ADD5FAA7-3C7A-896D-C552-07292A8D449B}"/>
               </a:ext>
             </a:extLst>
           </p:cNvPr>
@@ -6243,8 +5180,8 @@
         </p:nvSpPr>
         <p:spPr>
           <a:xfrm>
-            <a:off x="1849820" y="3006963"/>
-            <a:ext cx="1261242" cy="369332"/>
+            <a:off x="3048000" y="3525793"/>
+            <a:ext cx="6096000" cy="369332"/>
           </a:xfrm>
           <a:prstGeom prst="rect">
             <a:avLst/>
@@ -6252,86 +5189,14 @@
           <a:noFill/>
         </p:spPr>
         <p:txBody>
-          <a:bodyPr wrap="square" rtlCol="0">
+          <a:bodyPr wrap="square">
             <a:spAutoFit/>
           </a:bodyPr>
           <a:lstStyle/>
           <a:p>
             <a:r>
-              <a:rPr lang="en-US" altLang="zh-CN" dirty="0"/>
-              <a:t>Pull</a:t>
-            </a:r>
-            <a:endParaRPr lang="en-US" dirty="0"/>
-          </a:p>
-        </p:txBody>
-      </p:sp>
-      <p:sp>
-        <p:nvSpPr>
-          <p:cNvPr id="24" name="TextBox 23">
-            <a:extLst>
-              <a:ext uri="{FF2B5EF4-FFF2-40B4-BE49-F238E27FC236}">
-                <a16:creationId xmlns:a16="http://schemas.microsoft.com/office/drawing/2014/main" id="{4BEB56DA-BD43-CE00-F2B9-F805BA19A7D2}"/>
-              </a:ext>
-            </a:extLst>
-          </p:cNvPr>
-          <p:cNvSpPr txBox="1"/>
-          <p:nvPr/>
-        </p:nvSpPr>
-        <p:spPr>
-          <a:xfrm>
-            <a:off x="572811" y="3191629"/>
-            <a:ext cx="825065" cy="369332"/>
-          </a:xfrm>
-          <a:prstGeom prst="rect">
-            <a:avLst/>
-          </a:prstGeom>
-          <a:noFill/>
-        </p:spPr>
-        <p:txBody>
-          <a:bodyPr wrap="square" rtlCol="0">
-            <a:spAutoFit/>
-          </a:bodyPr>
-          <a:lstStyle/>
-          <a:p>
-            <a:r>
-              <a:rPr lang="en-US" altLang="zh-CN" dirty="0"/>
-              <a:t>Push</a:t>
-            </a:r>
-            <a:endParaRPr lang="en-US" dirty="0"/>
-          </a:p>
-        </p:txBody>
-      </p:sp>
-      <p:sp>
-        <p:nvSpPr>
-          <p:cNvPr id="25" name="TextBox 24">
-            <a:extLst>
-              <a:ext uri="{FF2B5EF4-FFF2-40B4-BE49-F238E27FC236}">
-                <a16:creationId xmlns:a16="http://schemas.microsoft.com/office/drawing/2014/main" id="{FF402B66-2359-AE4A-EBBD-7A607C0BACC2}"/>
-              </a:ext>
-            </a:extLst>
-          </p:cNvPr>
-          <p:cNvSpPr txBox="1"/>
-          <p:nvPr/>
-        </p:nvSpPr>
-        <p:spPr>
-          <a:xfrm>
-            <a:off x="7919545" y="1606762"/>
-            <a:ext cx="1261242" cy="369332"/>
-          </a:xfrm>
-          <a:prstGeom prst="rect">
-            <a:avLst/>
-          </a:prstGeom>
-          <a:noFill/>
-        </p:spPr>
-        <p:txBody>
-          <a:bodyPr wrap="square" rtlCol="0">
-            <a:spAutoFit/>
-          </a:bodyPr>
-          <a:lstStyle/>
-          <a:p>
-            <a:r>
-              <a:rPr lang="en-US" altLang="zh-CN" dirty="0"/>
-              <a:t>Open</a:t>
+              <a:rPr lang="en-US" dirty="0" err="1"/>
+              <a:t>CrossLesson_scraping_basemip.ipynb</a:t>
             </a:r>
             <a:endParaRPr lang="en-US" dirty="0"/>
           </a:p>
@@ -6340,7 +5205,7 @@
     </p:spTree>
     <p:extLst>
       <p:ext uri="{BB962C8B-B14F-4D97-AF65-F5344CB8AC3E}">
-        <p14:creationId xmlns:p14="http://schemas.microsoft.com/office/powerpoint/2010/main" val="3645037739"/>
+        <p14:creationId xmlns:p14="http://schemas.microsoft.com/office/powerpoint/2010/main" val="3587034018"/>
       </p:ext>
     </p:extLst>
   </p:cSld>
@@ -6369,10 +5234,10 @@
       </p:grpSpPr>
       <p:sp>
         <p:nvSpPr>
-          <p:cNvPr id="2" name="Title 1">
-            <a:extLst>
-              <a:ext uri="{FF2B5EF4-FFF2-40B4-BE49-F238E27FC236}">
-                <a16:creationId xmlns:a16="http://schemas.microsoft.com/office/drawing/2014/main" id="{F19762D9-7C7C-B5F0-5954-BEF25A6623EA}"/>
+          <p:cNvPr id="5" name="Title 4">
+            <a:extLst>
+              <a:ext uri="{FF2B5EF4-FFF2-40B4-BE49-F238E27FC236}">
+                <a16:creationId xmlns:a16="http://schemas.microsoft.com/office/drawing/2014/main" id="{AC6B6A82-3D58-CFCE-58F9-940F8A7823D7}"/>
               </a:ext>
             </a:extLst>
           </p:cNvPr>
@@ -6385,31 +5250,27 @@
         </p:nvSpPr>
         <p:spPr>
           <a:xfrm>
-            <a:off x="0" y="481232"/>
-            <a:ext cx="12192000" cy="674906"/>
-          </a:xfrm>
-        </p:spPr>
-        <p:txBody>
-          <a:bodyPr anchor="t">
-            <a:noAutofit/>
-          </a:bodyPr>
-          <a:lstStyle/>
-          <a:p>
-            <a:pPr algn="l"/>
-            <a:r>
-              <a:rPr lang="en-US" altLang="zh-CN" sz="4000" b="1" dirty="0"/>
-              <a:t>How do we do the lesson – After our Anaconda works</a:t>
-            </a:r>
-            <a:endParaRPr lang="en-US" sz="4000" dirty="0"/>
-          </a:p>
-        </p:txBody>
-      </p:sp>
-      <p:sp>
-        <p:nvSpPr>
-          <p:cNvPr id="3" name="TextBox 2">
-            <a:extLst>
-              <a:ext uri="{FF2B5EF4-FFF2-40B4-BE49-F238E27FC236}">
-                <a16:creationId xmlns:a16="http://schemas.microsoft.com/office/drawing/2014/main" id="{DE655212-730A-0C73-FDFF-2AA1B81AC5A2}"/>
+            <a:off x="1387366" y="640577"/>
+            <a:ext cx="9144000" cy="1063789"/>
+          </a:xfrm>
+        </p:spPr>
+        <p:txBody>
+          <a:bodyPr/>
+          <a:lstStyle/>
+          <a:p>
+            <a:r>
+              <a:rPr lang="en-US" dirty="0"/>
+              <a:t>Decks Referenced:</a:t>
+            </a:r>
+          </a:p>
+        </p:txBody>
+      </p:sp>
+      <p:sp>
+        <p:nvSpPr>
+          <p:cNvPr id="4" name="TextBox 3">
+            <a:extLst>
+              <a:ext uri="{FF2B5EF4-FFF2-40B4-BE49-F238E27FC236}">
+                <a16:creationId xmlns:a16="http://schemas.microsoft.com/office/drawing/2014/main" id="{E059ED0C-3148-CFA3-AADE-42D7B73D549D}"/>
               </a:ext>
             </a:extLst>
           </p:cNvPr>
@@ -6418,8 +5279,8 @@
         </p:nvSpPr>
         <p:spPr>
           <a:xfrm>
-            <a:off x="9553903" y="0"/>
-            <a:ext cx="2638097" cy="369332"/>
+            <a:off x="3048000" y="2419883"/>
+            <a:ext cx="6096000" cy="369332"/>
           </a:xfrm>
           <a:prstGeom prst="rect">
             <a:avLst/>
@@ -6427,265 +5288,24 @@
           <a:noFill/>
         </p:spPr>
         <p:txBody>
-          <a:bodyPr wrap="square" rtlCol="0">
+          <a:bodyPr wrap="square">
             <a:spAutoFit/>
           </a:bodyPr>
           <a:lstStyle/>
           <a:p>
             <a:r>
-              <a:rPr lang="en-US" altLang="zh-CN" b="1" dirty="0">
-                <a:solidFill>
-                  <a:schemeClr val="bg1">
-                    <a:lumMod val="85000"/>
-                  </a:schemeClr>
-                </a:solidFill>
-              </a:rPr>
-              <a:t>Stem Pro Academy, 2022</a:t>
-            </a:r>
-            <a:endParaRPr lang="en-US" b="1" dirty="0">
-              <a:solidFill>
-                <a:schemeClr val="bg1">
-                  <a:lumMod val="85000"/>
-                </a:schemeClr>
-              </a:solidFill>
-            </a:endParaRPr>
-          </a:p>
-        </p:txBody>
-      </p:sp>
-      <p:sp>
-        <p:nvSpPr>
-          <p:cNvPr id="6" name="Thought Bubble: Cloud 5">
-            <a:extLst>
-              <a:ext uri="{FF2B5EF4-FFF2-40B4-BE49-F238E27FC236}">
-                <a16:creationId xmlns:a16="http://schemas.microsoft.com/office/drawing/2014/main" id="{B74A2A15-904A-B442-A63A-1041DE86D23C}"/>
-              </a:ext>
-            </a:extLst>
-          </p:cNvPr>
-          <p:cNvSpPr/>
-          <p:nvPr/>
-        </p:nvSpPr>
-        <p:spPr>
-          <a:xfrm>
-            <a:off x="4046482" y="1322825"/>
-            <a:ext cx="2669628" cy="1248103"/>
-          </a:xfrm>
-          <a:prstGeom prst="cloudCallout">
-            <a:avLst/>
-          </a:prstGeom>
-          <a:solidFill>
-            <a:schemeClr val="bg2"/>
-          </a:solidFill>
-        </p:spPr>
-        <p:style>
-          <a:lnRef idx="2">
-            <a:schemeClr val="accent1">
-              <a:shade val="50000"/>
-            </a:schemeClr>
-          </a:lnRef>
-          <a:fillRef idx="1">
-            <a:schemeClr val="accent1"/>
-          </a:fillRef>
-          <a:effectRef idx="0">
-            <a:schemeClr val="accent1"/>
-          </a:effectRef>
-          <a:fontRef idx="minor">
-            <a:schemeClr val="lt1"/>
-          </a:fontRef>
-        </p:style>
-        <p:txBody>
-          <a:bodyPr rtlCol="0" anchor="ctr"/>
-          <a:lstStyle/>
-          <a:p>
-            <a:pPr algn="ctr"/>
-            <a:r>
-              <a:rPr lang="en-US" dirty="0" err="1">
-                <a:hlinkClick r:id="rId2"/>
-              </a:rPr>
-              <a:t>Github</a:t>
-            </a:r>
-            <a:endParaRPr lang="en-US" dirty="0"/>
-          </a:p>
-          <a:p>
-            <a:pPr algn="ctr"/>
-            <a:r>
-              <a:rPr lang="en-US" dirty="0" err="1">
-                <a:solidFill>
-                  <a:srgbClr val="002060"/>
-                </a:solidFill>
-              </a:rPr>
-              <a:t>basemip</a:t>
-            </a:r>
-            <a:endParaRPr lang="en-US" dirty="0">
-              <a:solidFill>
-                <a:srgbClr val="002060"/>
-              </a:solidFill>
-            </a:endParaRPr>
-          </a:p>
-        </p:txBody>
-      </p:sp>
-      <p:sp>
-        <p:nvSpPr>
-          <p:cNvPr id="7" name="Flowchart: Process 6">
-            <a:extLst>
-              <a:ext uri="{FF2B5EF4-FFF2-40B4-BE49-F238E27FC236}">
-                <a16:creationId xmlns:a16="http://schemas.microsoft.com/office/drawing/2014/main" id="{30DB0B56-A838-2262-8AD5-B2C21139DBAF}"/>
-              </a:ext>
-            </a:extLst>
-          </p:cNvPr>
-          <p:cNvSpPr/>
-          <p:nvPr/>
-        </p:nvSpPr>
-        <p:spPr>
-          <a:xfrm>
-            <a:off x="4046482" y="4287073"/>
-            <a:ext cx="2816773" cy="1072055"/>
-          </a:xfrm>
-          <a:prstGeom prst="flowChartProcess">
-            <a:avLst/>
-          </a:prstGeom>
-          <a:solidFill>
-            <a:srgbClr val="00B050"/>
-          </a:solidFill>
-        </p:spPr>
-        <p:style>
-          <a:lnRef idx="2">
-            <a:schemeClr val="accent1">
-              <a:shade val="50000"/>
-            </a:schemeClr>
-          </a:lnRef>
-          <a:fillRef idx="1">
-            <a:schemeClr val="accent1"/>
-          </a:fillRef>
-          <a:effectRef idx="0">
-            <a:schemeClr val="accent1"/>
-          </a:effectRef>
-          <a:fontRef idx="minor">
-            <a:schemeClr val="lt1"/>
-          </a:fontRef>
-        </p:style>
-        <p:txBody>
-          <a:bodyPr rtlCol="0" anchor="ctr"/>
-          <a:lstStyle/>
-          <a:p>
-            <a:pPr algn="ctr"/>
-            <a:r>
               <a:rPr lang="en-US" dirty="0"/>
-              <a:t>Your</a:t>
-            </a:r>
-            <a:r>
-              <a:rPr lang="zh-CN" altLang="en-US" dirty="0"/>
-              <a:t> </a:t>
-            </a:r>
-            <a:r>
-              <a:rPr lang="en-US" altLang="zh-CN" dirty="0"/>
-              <a:t>local</a:t>
-            </a:r>
-            <a:r>
-              <a:rPr lang="zh-CN" altLang="en-US" dirty="0"/>
-              <a:t> </a:t>
-            </a:r>
-            <a:r>
-              <a:rPr lang="en-US" altLang="zh-CN" dirty="0"/>
-              <a:t>drive</a:t>
-            </a:r>
-          </a:p>
-          <a:p>
-            <a:pPr algn="ctr"/>
-            <a:r>
-              <a:rPr lang="en-US" dirty="0"/>
-              <a:t>C:/basemip</a:t>
-            </a:r>
-          </a:p>
-        </p:txBody>
-      </p:sp>
-      <p:cxnSp>
-        <p:nvCxnSpPr>
-          <p:cNvPr id="10" name="Straight Arrow Connector 9">
-            <a:extLst>
-              <a:ext uri="{FF2B5EF4-FFF2-40B4-BE49-F238E27FC236}">
-                <a16:creationId xmlns:a16="http://schemas.microsoft.com/office/drawing/2014/main" id="{2B47EA9D-0920-A49E-2250-981E71CC78DA}"/>
-              </a:ext>
-            </a:extLst>
-          </p:cNvPr>
-          <p:cNvCxnSpPr>
-            <a:cxnSpLocks/>
-          </p:cNvCxnSpPr>
-          <p:nvPr/>
-        </p:nvCxnSpPr>
-        <p:spPr>
-          <a:xfrm>
-            <a:off x="5801712" y="2749102"/>
-            <a:ext cx="0" cy="1338857"/>
-          </a:xfrm>
-          <a:prstGeom prst="straightConnector1">
-            <a:avLst/>
-          </a:prstGeom>
-          <a:ln w="76200">
-            <a:tailEnd type="triangle"/>
-          </a:ln>
-        </p:spPr>
-        <p:style>
-          <a:lnRef idx="1">
-            <a:schemeClr val="accent1"/>
-          </a:lnRef>
-          <a:fillRef idx="0">
-            <a:schemeClr val="accent1"/>
-          </a:fillRef>
-          <a:effectRef idx="0">
-            <a:schemeClr val="accent1"/>
-          </a:effectRef>
-          <a:fontRef idx="minor">
-            <a:schemeClr val="tx1"/>
-          </a:fontRef>
-        </p:style>
-      </p:cxnSp>
-      <p:cxnSp>
-        <p:nvCxnSpPr>
-          <p:cNvPr id="18" name="Straight Arrow Connector 17">
-            <a:extLst>
-              <a:ext uri="{FF2B5EF4-FFF2-40B4-BE49-F238E27FC236}">
-                <a16:creationId xmlns:a16="http://schemas.microsoft.com/office/drawing/2014/main" id="{AD3B8187-97C2-8014-9FD4-F2B205D0505C}"/>
-              </a:ext>
-            </a:extLst>
-          </p:cNvPr>
-          <p:cNvCxnSpPr>
-            <a:cxnSpLocks/>
-          </p:cNvCxnSpPr>
-          <p:nvPr/>
-        </p:nvCxnSpPr>
-        <p:spPr>
-          <a:xfrm flipV="1">
-            <a:off x="5084380" y="2714853"/>
-            <a:ext cx="0" cy="1373106"/>
-          </a:xfrm>
-          <a:prstGeom prst="straightConnector1">
-            <a:avLst/>
-          </a:prstGeom>
-          <a:ln w="76200">
-            <a:tailEnd type="triangle"/>
-          </a:ln>
-        </p:spPr>
-        <p:style>
-          <a:lnRef idx="1">
-            <a:schemeClr val="accent1"/>
-          </a:lnRef>
-          <a:fillRef idx="0">
-            <a:schemeClr val="accent1"/>
-          </a:fillRef>
-          <a:effectRef idx="0">
-            <a:schemeClr val="accent1"/>
-          </a:effectRef>
-          <a:fontRef idx="minor">
-            <a:schemeClr val="tx1"/>
-          </a:fontRef>
-        </p:style>
-      </p:cxnSp>
-      <p:sp>
-        <p:nvSpPr>
-          <p:cNvPr id="23" name="TextBox 22">
-            <a:extLst>
-              <a:ext uri="{FF2B5EF4-FFF2-40B4-BE49-F238E27FC236}">
-                <a16:creationId xmlns:a16="http://schemas.microsoft.com/office/drawing/2014/main" id="{03F0A18B-2E39-FED6-FD5B-BC26921C76FB}"/>
+              <a:t>CrossLesson_gitbash_basemip.pptx</a:t>
+            </a:r>
+          </a:p>
+        </p:txBody>
+      </p:sp>
+      <p:sp>
+        <p:nvSpPr>
+          <p:cNvPr id="6" name="TextBox 5">
+            <a:extLst>
+              <a:ext uri="{FF2B5EF4-FFF2-40B4-BE49-F238E27FC236}">
+                <a16:creationId xmlns:a16="http://schemas.microsoft.com/office/drawing/2014/main" id="{C896FF76-1114-0EE5-E08D-9A77B0A6852E}"/>
               </a:ext>
             </a:extLst>
           </p:cNvPr>
@@ -6694,8 +5314,8 @@
         </p:nvSpPr>
         <p:spPr>
           <a:xfrm>
-            <a:off x="6174829" y="2749102"/>
-            <a:ext cx="1261242" cy="369332"/>
+            <a:off x="3048000" y="2972838"/>
+            <a:ext cx="6096000" cy="369332"/>
           </a:xfrm>
           <a:prstGeom prst="rect">
             <a:avLst/>
@@ -6703,14 +5323,14 @@
           <a:noFill/>
         </p:spPr>
         <p:txBody>
-          <a:bodyPr wrap="square" rtlCol="0">
+          <a:bodyPr wrap="square">
             <a:spAutoFit/>
           </a:bodyPr>
           <a:lstStyle/>
           <a:p>
             <a:r>
-              <a:rPr lang="en-US" altLang="zh-CN" dirty="0"/>
-              <a:t>Pull</a:t>
+              <a:rPr lang="en-US" dirty="0" err="1"/>
+              <a:t>CrossLesson_python.ipynb</a:t>
             </a:r>
             <a:endParaRPr lang="en-US" dirty="0"/>
           </a:p>
@@ -6718,10 +5338,10 @@
       </p:sp>
       <p:sp>
         <p:nvSpPr>
-          <p:cNvPr id="24" name="TextBox 23">
-            <a:extLst>
-              <a:ext uri="{FF2B5EF4-FFF2-40B4-BE49-F238E27FC236}">
-                <a16:creationId xmlns:a16="http://schemas.microsoft.com/office/drawing/2014/main" id="{4BEB56DA-BD43-CE00-F2B9-F805BA19A7D2}"/>
+          <p:cNvPr id="8" name="TextBox 7">
+            <a:extLst>
+              <a:ext uri="{FF2B5EF4-FFF2-40B4-BE49-F238E27FC236}">
+                <a16:creationId xmlns:a16="http://schemas.microsoft.com/office/drawing/2014/main" id="{ADD5FAA7-3C7A-896D-C552-07292A8D449B}"/>
               </a:ext>
             </a:extLst>
           </p:cNvPr>
@@ -6730,8 +5350,8 @@
         </p:nvSpPr>
         <p:spPr>
           <a:xfrm>
-            <a:off x="4259315" y="3032074"/>
-            <a:ext cx="825065" cy="369332"/>
+            <a:off x="3048000" y="3709416"/>
+            <a:ext cx="6096000" cy="369332"/>
           </a:xfrm>
           <a:prstGeom prst="rect">
             <a:avLst/>
@@ -6739,130 +5359,23 @@
           <a:noFill/>
         </p:spPr>
         <p:txBody>
-          <a:bodyPr wrap="square" rtlCol="0">
+          <a:bodyPr wrap="square">
             <a:spAutoFit/>
           </a:bodyPr>
           <a:lstStyle/>
           <a:p>
             <a:r>
-              <a:rPr lang="en-US" altLang="zh-CN" dirty="0"/>
-              <a:t>Push</a:t>
+              <a:rPr lang="en-US" dirty="0" err="1"/>
+              <a:t>CrossLesson_scraping_basemip.ipynb</a:t>
             </a:r>
             <a:endParaRPr lang="en-US" dirty="0"/>
           </a:p>
         </p:txBody>
       </p:sp>
-      <p:pic>
-        <p:nvPicPr>
-          <p:cNvPr id="19" name="Picture 18">
-            <a:extLst>
-              <a:ext uri="{FF2B5EF4-FFF2-40B4-BE49-F238E27FC236}">
-                <a16:creationId xmlns:a16="http://schemas.microsoft.com/office/drawing/2014/main" id="{30BAF1E5-63C9-DC46-995F-1EE2E5EE0DE6}"/>
-              </a:ext>
-            </a:extLst>
-          </p:cNvPr>
-          <p:cNvPicPr>
-            <a:picLocks noChangeAspect="1"/>
-          </p:cNvPicPr>
-          <p:nvPr/>
-        </p:nvPicPr>
-        <p:blipFill>
-          <a:blip r:embed="rId3"/>
-          <a:stretch>
-            <a:fillRect/>
-          </a:stretch>
-        </p:blipFill>
-        <p:spPr>
-          <a:xfrm flipV="1">
-            <a:off x="8177049" y="4287073"/>
-            <a:ext cx="3064967" cy="1233462"/>
-          </a:xfrm>
-          <a:prstGeom prst="rect">
-            <a:avLst/>
-          </a:prstGeom>
-        </p:spPr>
-      </p:pic>
-      <p:sp>
-        <p:nvSpPr>
-          <p:cNvPr id="26" name="TextBox 25">
-            <a:extLst>
-              <a:ext uri="{FF2B5EF4-FFF2-40B4-BE49-F238E27FC236}">
-                <a16:creationId xmlns:a16="http://schemas.microsoft.com/office/drawing/2014/main" id="{8E24F5FF-DC6B-4641-98DE-D9AD4A75F14E}"/>
-              </a:ext>
-            </a:extLst>
-          </p:cNvPr>
-          <p:cNvSpPr txBox="1"/>
-          <p:nvPr/>
-        </p:nvSpPr>
-        <p:spPr>
-          <a:xfrm>
-            <a:off x="8177049" y="3640742"/>
-            <a:ext cx="2322781" cy="646331"/>
-          </a:xfrm>
-          <a:prstGeom prst="rect">
-            <a:avLst/>
-          </a:prstGeom>
-          <a:noFill/>
-        </p:spPr>
-        <p:txBody>
-          <a:bodyPr wrap="square" rtlCol="0">
-            <a:spAutoFit/>
-          </a:bodyPr>
-          <a:lstStyle/>
-          <a:p>
-            <a:r>
-              <a:rPr lang="en-US" altLang="zh-CN" dirty="0"/>
-              <a:t>Work on your local computer</a:t>
-            </a:r>
-            <a:endParaRPr lang="en-US" dirty="0"/>
-          </a:p>
-        </p:txBody>
-      </p:sp>
-      <p:cxnSp>
-        <p:nvCxnSpPr>
-          <p:cNvPr id="27" name="Straight Arrow Connector 26">
-            <a:extLst>
-              <a:ext uri="{FF2B5EF4-FFF2-40B4-BE49-F238E27FC236}">
-                <a16:creationId xmlns:a16="http://schemas.microsoft.com/office/drawing/2014/main" id="{58CC7595-23EA-62B4-5520-11D889663BED}"/>
-              </a:ext>
-            </a:extLst>
-          </p:cNvPr>
-          <p:cNvCxnSpPr>
-            <a:cxnSpLocks/>
-          </p:cNvCxnSpPr>
-          <p:nvPr/>
-        </p:nvCxnSpPr>
-        <p:spPr>
-          <a:xfrm flipH="1">
-            <a:off x="6989379" y="4822535"/>
-            <a:ext cx="1090448" cy="0"/>
-          </a:xfrm>
-          <a:prstGeom prst="straightConnector1">
-            <a:avLst/>
-          </a:prstGeom>
-          <a:ln w="76200">
-            <a:tailEnd type="triangle"/>
-          </a:ln>
-        </p:spPr>
-        <p:style>
-          <a:lnRef idx="1">
-            <a:schemeClr val="accent1"/>
-          </a:lnRef>
-          <a:fillRef idx="0">
-            <a:schemeClr val="accent1"/>
-          </a:fillRef>
-          <a:effectRef idx="0">
-            <a:schemeClr val="accent1"/>
-          </a:effectRef>
-          <a:fontRef idx="minor">
-            <a:schemeClr val="tx1"/>
-          </a:fontRef>
-        </p:style>
-      </p:cxnSp>
     </p:spTree>
     <p:extLst>
       <p:ext uri="{BB962C8B-B14F-4D97-AF65-F5344CB8AC3E}">
-        <p14:creationId xmlns:p14="http://schemas.microsoft.com/office/powerpoint/2010/main" val="1829017829"/>
+        <p14:creationId xmlns:p14="http://schemas.microsoft.com/office/powerpoint/2010/main" val="3289193281"/>
       </p:ext>
     </p:extLst>
   </p:cSld>
@@ -6907,8 +5420,8 @@
         </p:nvSpPr>
         <p:spPr>
           <a:xfrm>
-            <a:off x="0" y="653884"/>
-            <a:ext cx="12192000" cy="6204115"/>
+            <a:off x="0" y="481232"/>
+            <a:ext cx="12192000" cy="674906"/>
           </a:xfrm>
         </p:spPr>
         <p:txBody>
@@ -6919,106 +5432,382 @@
           <a:p>
             <a:pPr algn="l"/>
             <a:r>
-              <a:rPr lang="en-US" sz="4000" dirty="0"/>
-              <a:t> </a:t>
-            </a:r>
-          </a:p>
-        </p:txBody>
-      </p:sp>
-      <p:sp>
-        <p:nvSpPr>
-          <p:cNvPr id="3" name="Title 1">
-            <a:extLst>
-              <a:ext uri="{FF2B5EF4-FFF2-40B4-BE49-F238E27FC236}">
-                <a16:creationId xmlns:a16="http://schemas.microsoft.com/office/drawing/2014/main" id="{F8FC07DB-6C5B-E007-0C64-780C4C57AF1F}"/>
-              </a:ext>
-            </a:extLst>
-          </p:cNvPr>
-          <p:cNvSpPr txBox="1">
-            <a:spLocks/>
-          </p:cNvSpPr>
+              <a:rPr lang="en-US" altLang="zh-CN" sz="4000" b="1" dirty="0"/>
+              <a:t>How do we do the lesson – Now and next two weeks </a:t>
+            </a:r>
+            <a:endParaRPr lang="en-US" sz="4000" dirty="0"/>
+          </a:p>
+        </p:txBody>
+      </p:sp>
+      <p:sp>
+        <p:nvSpPr>
+          <p:cNvPr id="3" name="TextBox 2">
+            <a:extLst>
+              <a:ext uri="{FF2B5EF4-FFF2-40B4-BE49-F238E27FC236}">
+                <a16:creationId xmlns:a16="http://schemas.microsoft.com/office/drawing/2014/main" id="{DE655212-730A-0C73-FDFF-2AA1B81AC5A2}"/>
+              </a:ext>
+            </a:extLst>
+          </p:cNvPr>
+          <p:cNvSpPr txBox="1"/>
           <p:nvPr/>
         </p:nvSpPr>
         <p:spPr>
           <a:xfrm>
-            <a:off x="0" y="0"/>
-            <a:ext cx="12192000" cy="653885"/>
+            <a:off x="9553903" y="0"/>
+            <a:ext cx="2638097" cy="369332"/>
           </a:xfrm>
           <a:prstGeom prst="rect">
             <a:avLst/>
           </a:prstGeom>
+          <a:noFill/>
+        </p:spPr>
+        <p:txBody>
+          <a:bodyPr wrap="square" rtlCol="0">
+            <a:spAutoFit/>
+          </a:bodyPr>
+          <a:lstStyle/>
+          <a:p>
+            <a:r>
+              <a:rPr lang="en-US" altLang="zh-CN" b="1" dirty="0">
+                <a:solidFill>
+                  <a:schemeClr val="bg1">
+                    <a:lumMod val="85000"/>
+                  </a:schemeClr>
+                </a:solidFill>
+              </a:rPr>
+              <a:t>Stem Pro Academy, 2022</a:t>
+            </a:r>
+            <a:endParaRPr lang="en-US" b="1" dirty="0">
+              <a:solidFill>
+                <a:schemeClr val="bg1">
+                  <a:lumMod val="85000"/>
+                </a:schemeClr>
+              </a:solidFill>
+            </a:endParaRPr>
+          </a:p>
+        </p:txBody>
+      </p:sp>
+      <p:sp>
+        <p:nvSpPr>
+          <p:cNvPr id="6" name="Thought Bubble: Cloud 5">
+            <a:extLst>
+              <a:ext uri="{FF2B5EF4-FFF2-40B4-BE49-F238E27FC236}">
+                <a16:creationId xmlns:a16="http://schemas.microsoft.com/office/drawing/2014/main" id="{B74A2A15-904A-B442-A63A-1041DE86D23C}"/>
+              </a:ext>
+            </a:extLst>
+          </p:cNvPr>
+          <p:cNvSpPr/>
+          <p:nvPr/>
+        </p:nvSpPr>
+        <p:spPr>
+          <a:xfrm>
+            <a:off x="220715" y="1501665"/>
+            <a:ext cx="2669628" cy="1248103"/>
+          </a:xfrm>
+          <a:prstGeom prst="cloudCallout">
+            <a:avLst/>
+          </a:prstGeom>
           <a:solidFill>
-            <a:srgbClr val="00B0F0"/>
+            <a:schemeClr val="bg2"/>
           </a:solidFill>
         </p:spPr>
-        <p:txBody>
-          <a:bodyPr vert="horz" lIns="91440" tIns="45720" rIns="91440" bIns="45720" rtlCol="0" anchor="b">
-            <a:noAutofit/>
-          </a:bodyPr>
-          <a:lstStyle>
-            <a:lvl1pPr algn="ctr" defTabSz="914400" rtl="0" eaLnBrk="1" latinLnBrk="0" hangingPunct="1">
-              <a:lnSpc>
-                <a:spcPct val="90000"/>
-              </a:lnSpc>
-              <a:spcBef>
-                <a:spcPct val="0"/>
-              </a:spcBef>
-              <a:buNone/>
-              <a:defRPr sz="6000" kern="1200">
+        <p:style>
+          <a:lnRef idx="2">
+            <a:schemeClr val="accent1">
+              <a:shade val="50000"/>
+            </a:schemeClr>
+          </a:lnRef>
+          <a:fillRef idx="1">
+            <a:schemeClr val="accent1"/>
+          </a:fillRef>
+          <a:effectRef idx="0">
+            <a:schemeClr val="accent1"/>
+          </a:effectRef>
+          <a:fontRef idx="minor">
+            <a:schemeClr val="lt1"/>
+          </a:fontRef>
+        </p:style>
+        <p:txBody>
+          <a:bodyPr rtlCol="0" anchor="ctr"/>
+          <a:lstStyle/>
+          <a:p>
+            <a:pPr algn="ctr"/>
+            <a:r>
+              <a:rPr lang="en-US" dirty="0" err="1">
+                <a:hlinkClick r:id="rId2"/>
+              </a:rPr>
+              <a:t>Github</a:t>
+            </a:r>
+            <a:endParaRPr lang="en-US" dirty="0"/>
+          </a:p>
+          <a:p>
+            <a:pPr algn="ctr"/>
+            <a:r>
+              <a:rPr lang="en-US" dirty="0" err="1">
                 <a:solidFill>
-                  <a:schemeClr val="tx1"/>
+                  <a:srgbClr val="002060"/>
                 </a:solidFill>
-                <a:latin typeface="+mj-lt"/>
-                <a:ea typeface="+mj-ea"/>
-                <a:cs typeface="+mj-cs"/>
-              </a:defRPr>
-            </a:lvl1pPr>
-          </a:lstStyle>
-          <a:p>
-            <a:pPr algn="l"/>
-            <a:r>
-              <a:rPr lang="en-US" sz="4000" dirty="0"/>
-              <a:t>Environment: Git</a:t>
-            </a:r>
-          </a:p>
-        </p:txBody>
-      </p:sp>
+              </a:rPr>
+              <a:t>basemip</a:t>
+            </a:r>
+            <a:endParaRPr lang="en-US" dirty="0">
+              <a:solidFill>
+                <a:srgbClr val="002060"/>
+              </a:solidFill>
+            </a:endParaRPr>
+          </a:p>
+        </p:txBody>
+      </p:sp>
+      <p:sp>
+        <p:nvSpPr>
+          <p:cNvPr id="7" name="Flowchart: Process 6">
+            <a:extLst>
+              <a:ext uri="{FF2B5EF4-FFF2-40B4-BE49-F238E27FC236}">
+                <a16:creationId xmlns:a16="http://schemas.microsoft.com/office/drawing/2014/main" id="{30DB0B56-A838-2262-8AD5-B2C21139DBAF}"/>
+              </a:ext>
+            </a:extLst>
+          </p:cNvPr>
+          <p:cNvSpPr/>
+          <p:nvPr/>
+        </p:nvSpPr>
+        <p:spPr>
+          <a:xfrm>
+            <a:off x="630618" y="4108233"/>
+            <a:ext cx="2816773" cy="1072055"/>
+          </a:xfrm>
+          <a:prstGeom prst="flowChartProcess">
+            <a:avLst/>
+          </a:prstGeom>
+          <a:solidFill>
+            <a:srgbClr val="00B050"/>
+          </a:solidFill>
+        </p:spPr>
+        <p:style>
+          <a:lnRef idx="2">
+            <a:schemeClr val="accent1">
+              <a:shade val="50000"/>
+            </a:schemeClr>
+          </a:lnRef>
+          <a:fillRef idx="1">
+            <a:schemeClr val="accent1"/>
+          </a:fillRef>
+          <a:effectRef idx="0">
+            <a:schemeClr val="accent1"/>
+          </a:effectRef>
+          <a:fontRef idx="minor">
+            <a:schemeClr val="lt1"/>
+          </a:fontRef>
+        </p:style>
+        <p:txBody>
+          <a:bodyPr rtlCol="0" anchor="ctr"/>
+          <a:lstStyle/>
+          <a:p>
+            <a:pPr algn="ctr"/>
+            <a:r>
+              <a:rPr lang="en-US" dirty="0"/>
+              <a:t>Your</a:t>
+            </a:r>
+            <a:r>
+              <a:rPr lang="zh-CN" altLang="en-US" dirty="0"/>
+              <a:t> </a:t>
+            </a:r>
+            <a:r>
+              <a:rPr lang="en-US" altLang="zh-CN" dirty="0"/>
+              <a:t>local</a:t>
+            </a:r>
+            <a:r>
+              <a:rPr lang="zh-CN" altLang="en-US" dirty="0"/>
+              <a:t> </a:t>
+            </a:r>
+            <a:r>
+              <a:rPr lang="en-US" altLang="zh-CN" dirty="0"/>
+              <a:t>drive</a:t>
+            </a:r>
+          </a:p>
+          <a:p>
+            <a:pPr algn="ctr"/>
+            <a:r>
+              <a:rPr lang="en-US" dirty="0"/>
+              <a:t>C:/basemip</a:t>
+            </a:r>
+          </a:p>
+        </p:txBody>
+      </p:sp>
+      <p:sp>
+        <p:nvSpPr>
+          <p:cNvPr id="8" name="Thought Bubble: Cloud 7">
+            <a:extLst>
+              <a:ext uri="{FF2B5EF4-FFF2-40B4-BE49-F238E27FC236}">
+                <a16:creationId xmlns:a16="http://schemas.microsoft.com/office/drawing/2014/main" id="{BF8EE65D-6AF3-E9A3-6A88-C263CBE366CE}"/>
+              </a:ext>
+            </a:extLst>
+          </p:cNvPr>
+          <p:cNvSpPr/>
+          <p:nvPr/>
+        </p:nvSpPr>
+        <p:spPr>
+          <a:xfrm>
+            <a:off x="4030714" y="1501664"/>
+            <a:ext cx="3578773" cy="1248103"/>
+          </a:xfrm>
+          <a:prstGeom prst="cloudCallout">
+            <a:avLst/>
+          </a:prstGeom>
+          <a:solidFill>
+            <a:schemeClr val="bg2"/>
+          </a:solidFill>
+        </p:spPr>
+        <p:style>
+          <a:lnRef idx="2">
+            <a:schemeClr val="accent1">
+              <a:shade val="50000"/>
+            </a:schemeClr>
+          </a:lnRef>
+          <a:fillRef idx="1">
+            <a:schemeClr val="accent1"/>
+          </a:fillRef>
+          <a:effectRef idx="0">
+            <a:schemeClr val="accent1"/>
+          </a:effectRef>
+          <a:fontRef idx="minor">
+            <a:schemeClr val="lt1"/>
+          </a:fontRef>
+        </p:style>
+        <p:txBody>
+          <a:bodyPr rtlCol="0" anchor="ctr"/>
+          <a:lstStyle/>
+          <a:p>
+            <a:pPr algn="ctr"/>
+            <a:r>
+              <a:rPr lang="en-US" dirty="0">
+                <a:solidFill>
+                  <a:srgbClr val="002060"/>
+                </a:solidFill>
+              </a:rPr>
+              <a:t>Your google Drive</a:t>
+            </a:r>
+          </a:p>
+          <a:p>
+            <a:pPr algn="ctr"/>
+            <a:r>
+              <a:rPr lang="en-US" dirty="0">
+                <a:solidFill>
+                  <a:srgbClr val="002060"/>
+                </a:solidFill>
+              </a:rPr>
+              <a:t>Drive:/</a:t>
+            </a:r>
+            <a:r>
+              <a:rPr lang="en-US" dirty="0" err="1">
+                <a:solidFill>
+                  <a:srgbClr val="002060"/>
+                </a:solidFill>
+              </a:rPr>
+              <a:t>colab</a:t>
+            </a:r>
+            <a:r>
+              <a:rPr lang="en-US" dirty="0">
+                <a:solidFill>
+                  <a:srgbClr val="002060"/>
+                </a:solidFill>
+              </a:rPr>
+              <a:t> notebooks/lessons</a:t>
+            </a:r>
+          </a:p>
+        </p:txBody>
+      </p:sp>
+      <p:cxnSp>
+        <p:nvCxnSpPr>
+          <p:cNvPr id="10" name="Straight Arrow Connector 9">
+            <a:extLst>
+              <a:ext uri="{FF2B5EF4-FFF2-40B4-BE49-F238E27FC236}">
+                <a16:creationId xmlns:a16="http://schemas.microsoft.com/office/drawing/2014/main" id="{2B47EA9D-0920-A49E-2250-981E71CC78DA}"/>
+              </a:ext>
+            </a:extLst>
+          </p:cNvPr>
+          <p:cNvCxnSpPr>
+            <a:cxnSpLocks/>
+            <a:endCxn id="7" idx="0"/>
+          </p:cNvCxnSpPr>
+          <p:nvPr/>
+        </p:nvCxnSpPr>
+        <p:spPr>
+          <a:xfrm>
+            <a:off x="1807779" y="2827283"/>
+            <a:ext cx="231226" cy="1280950"/>
+          </a:xfrm>
+          <a:prstGeom prst="straightConnector1">
+            <a:avLst/>
+          </a:prstGeom>
+          <a:ln w="76200">
+            <a:tailEnd type="triangle"/>
+          </a:ln>
+        </p:spPr>
+        <p:style>
+          <a:lnRef idx="1">
+            <a:schemeClr val="accent1"/>
+          </a:lnRef>
+          <a:fillRef idx="0">
+            <a:schemeClr val="accent1"/>
+          </a:fillRef>
+          <a:effectRef idx="0">
+            <a:schemeClr val="accent1"/>
+          </a:effectRef>
+          <a:fontRef idx="minor">
+            <a:schemeClr val="tx1"/>
+          </a:fontRef>
+        </p:style>
+      </p:cxnSp>
+      <p:cxnSp>
+        <p:nvCxnSpPr>
+          <p:cNvPr id="12" name="Straight Arrow Connector 11">
+            <a:extLst>
+              <a:ext uri="{FF2B5EF4-FFF2-40B4-BE49-F238E27FC236}">
+                <a16:creationId xmlns:a16="http://schemas.microsoft.com/office/drawing/2014/main" id="{1CAADE9A-59CB-20BE-3B30-87976867388C}"/>
+              </a:ext>
+            </a:extLst>
+          </p:cNvPr>
+          <p:cNvCxnSpPr>
+            <a:cxnSpLocks/>
+          </p:cNvCxnSpPr>
+          <p:nvPr/>
+        </p:nvCxnSpPr>
+        <p:spPr>
+          <a:xfrm flipV="1">
+            <a:off x="2575033" y="2749102"/>
+            <a:ext cx="2238705" cy="1359131"/>
+          </a:xfrm>
+          <a:prstGeom prst="straightConnector1">
+            <a:avLst/>
+          </a:prstGeom>
+          <a:ln w="76200">
+            <a:solidFill>
+              <a:srgbClr val="002060"/>
+            </a:solidFill>
+            <a:tailEnd type="triangle"/>
+          </a:ln>
+        </p:spPr>
+        <p:style>
+          <a:lnRef idx="1">
+            <a:schemeClr val="accent1"/>
+          </a:lnRef>
+          <a:fillRef idx="0">
+            <a:schemeClr val="accent1"/>
+          </a:fillRef>
+          <a:effectRef idx="0">
+            <a:schemeClr val="accent1"/>
+          </a:effectRef>
+          <a:fontRef idx="minor">
+            <a:schemeClr val="tx1"/>
+          </a:fontRef>
+        </p:style>
+      </p:cxnSp>
       <p:pic>
         <p:nvPicPr>
-          <p:cNvPr id="6" name="Picture 5">
-            <a:extLst>
-              <a:ext uri="{FF2B5EF4-FFF2-40B4-BE49-F238E27FC236}">
-                <a16:creationId xmlns:a16="http://schemas.microsoft.com/office/drawing/2014/main" id="{ABE7958B-78B5-68A0-046E-2095CF9795D1}"/>
-              </a:ext>
-            </a:extLst>
-          </p:cNvPr>
-          <p:cNvPicPr>
-            <a:picLocks noChangeAspect="1"/>
-          </p:cNvPicPr>
-          <p:nvPr/>
-        </p:nvPicPr>
-        <p:blipFill>
-          <a:blip r:embed="rId2"/>
-          <a:stretch>
-            <a:fillRect/>
-          </a:stretch>
-        </p:blipFill>
-        <p:spPr>
-          <a:xfrm>
-            <a:off x="5621435" y="1856202"/>
-            <a:ext cx="3515467" cy="2725554"/>
-          </a:xfrm>
-          <a:prstGeom prst="rect">
-            <a:avLst/>
-          </a:prstGeom>
-        </p:spPr>
-      </p:pic>
-      <p:pic>
-        <p:nvPicPr>
-          <p:cNvPr id="8" name="Picture 7">
-            <a:extLst>
-              <a:ext uri="{FF2B5EF4-FFF2-40B4-BE49-F238E27FC236}">
-                <a16:creationId xmlns:a16="http://schemas.microsoft.com/office/drawing/2014/main" id="{14E3DCB1-97A4-FA82-D198-52F003747529}"/>
+          <p:cNvPr id="14" name="Picture 13">
+            <a:extLst>
+              <a:ext uri="{FF2B5EF4-FFF2-40B4-BE49-F238E27FC236}">
+                <a16:creationId xmlns:a16="http://schemas.microsoft.com/office/drawing/2014/main" id="{DEC97C53-8B5E-33BC-45D6-6D39EECB0DF5}"/>
               </a:ext>
             </a:extLst>
           </p:cNvPr>
@@ -7035,20 +5824,101 @@
         </p:blipFill>
         <p:spPr>
           <a:xfrm>
-            <a:off x="257205" y="4404243"/>
-            <a:ext cx="3067478" cy="714475"/>
+            <a:off x="9065168" y="1249721"/>
+            <a:ext cx="2538767" cy="1405134"/>
           </a:xfrm>
           <a:prstGeom prst="rect">
             <a:avLst/>
           </a:prstGeom>
         </p:spPr>
       </p:pic>
-      <p:sp>
-        <p:nvSpPr>
-          <p:cNvPr id="10" name="TextBox 9">
-            <a:extLst>
-              <a:ext uri="{FF2B5EF4-FFF2-40B4-BE49-F238E27FC236}">
-                <a16:creationId xmlns:a16="http://schemas.microsoft.com/office/drawing/2014/main" id="{EEA81EF4-5F4A-4D98-7CB2-9EAD9EC2E48E}"/>
+      <p:cxnSp>
+        <p:nvCxnSpPr>
+          <p:cNvPr id="16" name="Straight Arrow Connector 15">
+            <a:extLst>
+              <a:ext uri="{FF2B5EF4-FFF2-40B4-BE49-F238E27FC236}">
+                <a16:creationId xmlns:a16="http://schemas.microsoft.com/office/drawing/2014/main" id="{8374C173-BB97-BF57-595A-9D95B31664C3}"/>
+              </a:ext>
+            </a:extLst>
+          </p:cNvPr>
+          <p:cNvCxnSpPr>
+            <a:stCxn id="8" idx="2"/>
+            <a:endCxn id="14" idx="1"/>
+          </p:cNvCxnSpPr>
+          <p:nvPr/>
+        </p:nvCxnSpPr>
+        <p:spPr>
+          <a:xfrm flipV="1">
+            <a:off x="7606505" y="1952288"/>
+            <a:ext cx="1458663" cy="173428"/>
+          </a:xfrm>
+          <a:prstGeom prst="straightConnector1">
+            <a:avLst/>
+          </a:prstGeom>
+          <a:ln w="76200">
+            <a:tailEnd type="triangle"/>
+          </a:ln>
+        </p:spPr>
+        <p:style>
+          <a:lnRef idx="1">
+            <a:schemeClr val="accent1"/>
+          </a:lnRef>
+          <a:fillRef idx="0">
+            <a:schemeClr val="accent1"/>
+          </a:fillRef>
+          <a:effectRef idx="0">
+            <a:schemeClr val="accent1"/>
+          </a:effectRef>
+          <a:fontRef idx="minor">
+            <a:schemeClr val="tx1"/>
+          </a:fontRef>
+        </p:style>
+      </p:cxnSp>
+      <p:cxnSp>
+        <p:nvCxnSpPr>
+          <p:cNvPr id="18" name="Straight Arrow Connector 17">
+            <a:extLst>
+              <a:ext uri="{FF2B5EF4-FFF2-40B4-BE49-F238E27FC236}">
+                <a16:creationId xmlns:a16="http://schemas.microsoft.com/office/drawing/2014/main" id="{AD3B8187-97C2-8014-9FD4-F2B205D0505C}"/>
+              </a:ext>
+            </a:extLst>
+          </p:cNvPr>
+          <p:cNvCxnSpPr/>
+          <p:nvPr/>
+        </p:nvCxnSpPr>
+        <p:spPr>
+          <a:xfrm flipH="1" flipV="1">
+            <a:off x="1156138" y="2827283"/>
+            <a:ext cx="210207" cy="1280950"/>
+          </a:xfrm>
+          <a:prstGeom prst="straightConnector1">
+            <a:avLst/>
+          </a:prstGeom>
+          <a:ln w="76200">
+            <a:tailEnd type="triangle"/>
+          </a:ln>
+        </p:spPr>
+        <p:style>
+          <a:lnRef idx="1">
+            <a:schemeClr val="accent1"/>
+          </a:lnRef>
+          <a:fillRef idx="0">
+            <a:schemeClr val="accent1"/>
+          </a:fillRef>
+          <a:effectRef idx="0">
+            <a:schemeClr val="accent1"/>
+          </a:effectRef>
+          <a:fontRef idx="minor">
+            <a:schemeClr val="tx1"/>
+          </a:fontRef>
+        </p:style>
+      </p:cxnSp>
+      <p:sp>
+        <p:nvSpPr>
+          <p:cNvPr id="22" name="TextBox 21">
+            <a:extLst>
+              <a:ext uri="{FF2B5EF4-FFF2-40B4-BE49-F238E27FC236}">
+                <a16:creationId xmlns:a16="http://schemas.microsoft.com/office/drawing/2014/main" id="{054624CB-7C87-4AB3-A5B7-6673CC53F676}"/>
               </a:ext>
             </a:extLst>
           </p:cNvPr>
@@ -7057,8 +5927,8 @@
         </p:nvSpPr>
         <p:spPr>
           <a:xfrm>
-            <a:off x="275369" y="1504124"/>
-            <a:ext cx="6206358" cy="1477328"/>
+            <a:off x="3026979" y="3111062"/>
+            <a:ext cx="1261242" cy="369332"/>
           </a:xfrm>
           <a:prstGeom prst="rect">
             <a:avLst/>
@@ -7066,45 +5936,25 @@
           <a:noFill/>
         </p:spPr>
         <p:txBody>
-          <a:bodyPr wrap="square">
+          <a:bodyPr wrap="square" rtlCol="0">
             <a:spAutoFit/>
           </a:bodyPr>
           <a:lstStyle/>
           <a:p>
             <a:r>
-              <a:rPr lang="en-US" dirty="0"/>
-              <a:t>1). Download </a:t>
-            </a:r>
-          </a:p>
-          <a:p>
-            <a:r>
-              <a:rPr lang="en-US" dirty="0">
-                <a:hlinkClick r:id="rId4"/>
-              </a:rPr>
-              <a:t>https://git-scm.com/download/win</a:t>
+              <a:rPr lang="en-US" altLang="zh-CN" dirty="0"/>
+              <a:t>Upload</a:t>
             </a:r>
             <a:endParaRPr lang="en-US" dirty="0"/>
           </a:p>
-          <a:p>
-            <a:r>
-              <a:rPr lang="en-US" dirty="0"/>
-              <a:t>Choose 64 bit</a:t>
-            </a:r>
-          </a:p>
-          <a:p>
-            <a:endParaRPr lang="en-US" dirty="0"/>
-          </a:p>
-          <a:p>
-            <a:endParaRPr lang="en-US" dirty="0"/>
-          </a:p>
-        </p:txBody>
-      </p:sp>
-      <p:sp>
-        <p:nvSpPr>
-          <p:cNvPr id="12" name="TextBox 11">
-            <a:extLst>
-              <a:ext uri="{FF2B5EF4-FFF2-40B4-BE49-F238E27FC236}">
-                <a16:creationId xmlns:a16="http://schemas.microsoft.com/office/drawing/2014/main" id="{17450A41-FD73-53FF-6BF7-40DA951D1FAE}"/>
+        </p:txBody>
+      </p:sp>
+      <p:sp>
+        <p:nvSpPr>
+          <p:cNvPr id="23" name="TextBox 22">
+            <a:extLst>
+              <a:ext uri="{FF2B5EF4-FFF2-40B4-BE49-F238E27FC236}">
+                <a16:creationId xmlns:a16="http://schemas.microsoft.com/office/drawing/2014/main" id="{03F0A18B-2E39-FED6-FD5B-BC26921C76FB}"/>
               </a:ext>
             </a:extLst>
           </p:cNvPr>
@@ -7113,8 +5963,8 @@
         </p:nvSpPr>
         <p:spPr>
           <a:xfrm>
-            <a:off x="167638" y="3639021"/>
-            <a:ext cx="6206358" cy="646331"/>
+            <a:off x="1849820" y="3006963"/>
+            <a:ext cx="1261242" cy="369332"/>
           </a:xfrm>
           <a:prstGeom prst="rect">
             <a:avLst/>
@@ -7122,30 +5972,25 @@
           <a:noFill/>
         </p:spPr>
         <p:txBody>
-          <a:bodyPr wrap="square">
+          <a:bodyPr wrap="square" rtlCol="0">
             <a:spAutoFit/>
           </a:bodyPr>
           <a:lstStyle/>
           <a:p>
             <a:r>
-              <a:rPr lang="en-US" dirty="0"/>
-              <a:t>2). After downloading, you may see this in </a:t>
-            </a:r>
-          </a:p>
-          <a:p>
-            <a:r>
-              <a:rPr lang="en-US" dirty="0"/>
-              <a:t>Download  folder. Double click to install </a:t>
-            </a:r>
-          </a:p>
-        </p:txBody>
-      </p:sp>
-      <p:sp>
-        <p:nvSpPr>
-          <p:cNvPr id="13" name="TextBox 12">
-            <a:extLst>
-              <a:ext uri="{FF2B5EF4-FFF2-40B4-BE49-F238E27FC236}">
-                <a16:creationId xmlns:a16="http://schemas.microsoft.com/office/drawing/2014/main" id="{9DC8C989-957D-FB9E-242E-7C93CD8D5232}"/>
+              <a:rPr lang="en-US" altLang="zh-CN" dirty="0"/>
+              <a:t>Pull</a:t>
+            </a:r>
+            <a:endParaRPr lang="en-US" dirty="0"/>
+          </a:p>
+        </p:txBody>
+      </p:sp>
+      <p:sp>
+        <p:nvSpPr>
+          <p:cNvPr id="24" name="TextBox 23">
+            <a:extLst>
+              <a:ext uri="{FF2B5EF4-FFF2-40B4-BE49-F238E27FC236}">
+                <a16:creationId xmlns:a16="http://schemas.microsoft.com/office/drawing/2014/main" id="{4BEB56DA-BD43-CE00-F2B9-F805BA19A7D2}"/>
               </a:ext>
             </a:extLst>
           </p:cNvPr>
@@ -7154,8 +5999,8 @@
         </p:nvSpPr>
         <p:spPr>
           <a:xfrm>
-            <a:off x="5585721" y="1399352"/>
-            <a:ext cx="6206358" cy="369332"/>
+            <a:off x="572811" y="3191629"/>
+            <a:ext cx="825065" cy="369332"/>
           </a:xfrm>
           <a:prstGeom prst="rect">
             <a:avLst/>
@@ -7163,24 +6008,25 @@
           <a:noFill/>
         </p:spPr>
         <p:txBody>
-          <a:bodyPr wrap="square">
+          <a:bodyPr wrap="square" rtlCol="0">
             <a:spAutoFit/>
           </a:bodyPr>
           <a:lstStyle/>
           <a:p>
             <a:r>
-              <a:rPr lang="en-US" dirty="0"/>
-              <a:t>3). Take all the pre-chosen options, e.g.: </a:t>
-            </a:r>
-          </a:p>
-        </p:txBody>
-      </p:sp>
-      <p:sp>
-        <p:nvSpPr>
-          <p:cNvPr id="14" name="TextBox 13">
-            <a:extLst>
-              <a:ext uri="{FF2B5EF4-FFF2-40B4-BE49-F238E27FC236}">
-                <a16:creationId xmlns:a16="http://schemas.microsoft.com/office/drawing/2014/main" id="{7BD6CF87-A079-A395-A246-611DB7ACD977}"/>
+              <a:rPr lang="en-US" altLang="zh-CN" dirty="0"/>
+              <a:t>Push</a:t>
+            </a:r>
+            <a:endParaRPr lang="en-US" dirty="0"/>
+          </a:p>
+        </p:txBody>
+      </p:sp>
+      <p:sp>
+        <p:nvSpPr>
+          <p:cNvPr id="25" name="TextBox 24">
+            <a:extLst>
+              <a:ext uri="{FF2B5EF4-FFF2-40B4-BE49-F238E27FC236}">
+                <a16:creationId xmlns:a16="http://schemas.microsoft.com/office/drawing/2014/main" id="{FF402B66-2359-AE4A-EBBD-7A607C0BACC2}"/>
               </a:ext>
             </a:extLst>
           </p:cNvPr>
@@ -7189,8 +6035,8 @@
         </p:nvSpPr>
         <p:spPr>
           <a:xfrm>
-            <a:off x="5380769" y="5228734"/>
-            <a:ext cx="6206358" cy="369332"/>
+            <a:off x="7919545" y="1606762"/>
+            <a:ext cx="1261242" cy="369332"/>
           </a:xfrm>
           <a:prstGeom prst="rect">
             <a:avLst/>
@@ -7198,22 +6044,23 @@
           <a:noFill/>
         </p:spPr>
         <p:txBody>
-          <a:bodyPr wrap="square">
+          <a:bodyPr wrap="square" rtlCol="0">
             <a:spAutoFit/>
           </a:bodyPr>
           <a:lstStyle/>
           <a:p>
             <a:r>
-              <a:rPr lang="en-US" dirty="0"/>
-              <a:t>4). installed</a:t>
-            </a:r>
+              <a:rPr lang="en-US" altLang="zh-CN" dirty="0"/>
+              <a:t>Open</a:t>
+            </a:r>
+            <a:endParaRPr lang="en-US" dirty="0"/>
           </a:p>
         </p:txBody>
       </p:sp>
     </p:spTree>
     <p:extLst>
       <p:ext uri="{BB962C8B-B14F-4D97-AF65-F5344CB8AC3E}">
-        <p14:creationId xmlns:p14="http://schemas.microsoft.com/office/powerpoint/2010/main" val="2114180869"/>
+        <p14:creationId xmlns:p14="http://schemas.microsoft.com/office/powerpoint/2010/main" val="3645037739"/>
       </p:ext>
     </p:extLst>
   </p:cSld>
@@ -7329,22 +6176,17 @@
             <a:pPr algn="l"/>
             <a:r>
               <a:rPr lang="en-US" sz="4000" dirty="0"/>
-              <a:t>Environment: Connect to </a:t>
-            </a:r>
-            <a:r>
-              <a:rPr lang="en-US" altLang="zh-CN" sz="4000" dirty="0"/>
-              <a:t>repo</a:t>
-            </a:r>
-            <a:endParaRPr lang="en-US" sz="4000" dirty="0"/>
+              <a:t>Go to https://colab.research.google.com</a:t>
+            </a:r>
           </a:p>
         </p:txBody>
       </p:sp>
       <p:pic>
         <p:nvPicPr>
-          <p:cNvPr id="4" name="Picture 3">
-            <a:extLst>
-              <a:ext uri="{FF2B5EF4-FFF2-40B4-BE49-F238E27FC236}">
-                <a16:creationId xmlns:a16="http://schemas.microsoft.com/office/drawing/2014/main" id="{F83BDDD1-C20E-81A2-F617-0DC04B2DA114}"/>
+          <p:cNvPr id="5" name="Picture 4">
+            <a:extLst>
+              <a:ext uri="{FF2B5EF4-FFF2-40B4-BE49-F238E27FC236}">
+                <a16:creationId xmlns:a16="http://schemas.microsoft.com/office/drawing/2014/main" id="{72E95294-2063-9629-E41A-B1EAD25DB03E}"/>
               </a:ext>
             </a:extLst>
           </p:cNvPr>
@@ -7361,8 +6203,8 @@
         </p:blipFill>
         <p:spPr>
           <a:xfrm>
-            <a:off x="2638096" y="1746906"/>
-            <a:ext cx="7772400" cy="4786683"/>
+            <a:off x="3093127" y="1094044"/>
+            <a:ext cx="8058350" cy="5491959"/>
           </a:xfrm>
           <a:prstGeom prst="rect">
             <a:avLst/>
@@ -7371,10 +6213,10 @@
       </p:pic>
       <p:sp>
         <p:nvSpPr>
-          <p:cNvPr id="6" name="TextBox 5">
-            <a:extLst>
-              <a:ext uri="{FF2B5EF4-FFF2-40B4-BE49-F238E27FC236}">
-                <a16:creationId xmlns:a16="http://schemas.microsoft.com/office/drawing/2014/main" id="{371D56D3-8FFF-F652-0BD7-440C06734334}"/>
+          <p:cNvPr id="8" name="TextBox 7">
+            <a:extLst>
+              <a:ext uri="{FF2B5EF4-FFF2-40B4-BE49-F238E27FC236}">
+                <a16:creationId xmlns:a16="http://schemas.microsoft.com/office/drawing/2014/main" id="{9D0F494D-4CEF-9B31-9ECF-626EE389E789}"/>
               </a:ext>
             </a:extLst>
           </p:cNvPr>
@@ -7383,8 +6225,8 @@
         </p:nvSpPr>
         <p:spPr>
           <a:xfrm>
-            <a:off x="317938" y="823576"/>
-            <a:ext cx="6206358" cy="923330"/>
+            <a:off x="590894" y="1875362"/>
+            <a:ext cx="1911339" cy="3139321"/>
           </a:xfrm>
           <a:prstGeom prst="rect">
             <a:avLst/>
@@ -7399,19 +6241,47 @@
           <a:p>
             <a:r>
               <a:rPr lang="en-US" dirty="0"/>
-              <a:t>Follow exactly the sequence below. </a:t>
-            </a:r>
-          </a:p>
-          <a:p>
-            <a:r>
+              <a:t>And Click </a:t>
+            </a:r>
+            <a:br>
               <a:rPr lang="en-US" dirty="0"/>
-              <a:t>If you have D: drive, ideally install at D:</a:t>
-            </a:r>
-          </a:p>
-          <a:p>
+            </a:br>
             <a:r>
               <a:rPr lang="en-US" dirty="0"/>
-              <a:t>But C is ok</a:t>
+              <a:t>“New </a:t>
+            </a:r>
+            <a:r>
+              <a:rPr lang="en-US" altLang="zh-CN" dirty="0"/>
+              <a:t>notebook”</a:t>
+            </a:r>
+          </a:p>
+          <a:p>
+            <a:endParaRPr lang="en-US" dirty="0"/>
+          </a:p>
+          <a:p>
+            <a:endParaRPr lang="en-US" dirty="0"/>
+          </a:p>
+          <a:p>
+            <a:r>
+              <a:rPr lang="en-US" dirty="0"/>
+              <a:t>What will this do?</a:t>
+            </a:r>
+          </a:p>
+          <a:p>
+            <a:endParaRPr lang="en-US" dirty="0"/>
+          </a:p>
+          <a:p>
+            <a:r>
+              <a:rPr lang="en-US" dirty="0"/>
+              <a:t>If you are first time users of </a:t>
+            </a:r>
+            <a:r>
+              <a:rPr lang="en-US" dirty="0" err="1"/>
+              <a:t>colab</a:t>
+            </a:r>
+            <a:r>
+              <a:rPr lang="en-US" dirty="0"/>
+              <a:t>, it will create a folder in your google drive</a:t>
             </a:r>
           </a:p>
         </p:txBody>
@@ -7419,7 +6289,7 @@
     </p:spTree>
     <p:extLst>
       <p:ext uri="{BB962C8B-B14F-4D97-AF65-F5344CB8AC3E}">
-        <p14:creationId xmlns:p14="http://schemas.microsoft.com/office/powerpoint/2010/main" val="2333714654"/>
+        <p14:creationId xmlns:p14="http://schemas.microsoft.com/office/powerpoint/2010/main" val="3152589405"/>
       </p:ext>
     </p:extLst>
   </p:cSld>
@@ -7535,22 +6405,17 @@
             <a:pPr algn="l"/>
             <a:r>
               <a:rPr lang="en-US" sz="4000" dirty="0"/>
-              <a:t>Environment: Connect to </a:t>
-            </a:r>
-            <a:r>
-              <a:rPr lang="en-US" altLang="zh-CN" sz="4000" dirty="0"/>
-              <a:t>repo</a:t>
-            </a:r>
-            <a:endParaRPr lang="en-US" sz="4000" dirty="0"/>
-          </a:p>
-        </p:txBody>
-      </p:sp>
-      <p:sp>
-        <p:nvSpPr>
-          <p:cNvPr id="6" name="TextBox 5">
-            <a:extLst>
-              <a:ext uri="{FF2B5EF4-FFF2-40B4-BE49-F238E27FC236}">
-                <a16:creationId xmlns:a16="http://schemas.microsoft.com/office/drawing/2014/main" id="{371D56D3-8FFF-F652-0BD7-440C06734334}"/>
+              <a:t>Stay at colab.research.google.com</a:t>
+            </a:r>
+          </a:p>
+        </p:txBody>
+      </p:sp>
+      <p:sp>
+        <p:nvSpPr>
+          <p:cNvPr id="8" name="TextBox 7">
+            <a:extLst>
+              <a:ext uri="{FF2B5EF4-FFF2-40B4-BE49-F238E27FC236}">
+                <a16:creationId xmlns:a16="http://schemas.microsoft.com/office/drawing/2014/main" id="{9D0F494D-4CEF-9B31-9ECF-626EE389E789}"/>
               </a:ext>
             </a:extLst>
           </p:cNvPr>
@@ -7559,8 +6424,8 @@
         </p:nvSpPr>
         <p:spPr>
           <a:xfrm>
-            <a:off x="317938" y="823576"/>
-            <a:ext cx="6206358" cy="923330"/>
+            <a:off x="727529" y="653883"/>
+            <a:ext cx="10644664" cy="2862322"/>
           </a:xfrm>
           <a:prstGeom prst="rect">
             <a:avLst/>
@@ -7575,42 +6440,99 @@
           <a:p>
             <a:r>
               <a:rPr lang="en-US" dirty="0"/>
-              <a:t>Now you are connected with or repo. </a:t>
-            </a:r>
-          </a:p>
-          <a:p>
+              <a:t> </a:t>
+            </a:r>
             <a:r>
               <a:rPr lang="en-US" altLang="zh-CN" dirty="0"/>
-              <a:t>Time to</a:t>
+              <a:t>After you click, </a:t>
+            </a:r>
+          </a:p>
+          <a:p>
+            <a:r>
+              <a:rPr lang="en-US" dirty="0"/>
+              <a:t>A new </a:t>
+            </a:r>
+            <a:r>
+              <a:rPr lang="en-US" dirty="0" err="1"/>
+              <a:t>ipynb</a:t>
+            </a:r>
+            <a:r>
+              <a:rPr lang="en-US" dirty="0"/>
+              <a:t> will open up. </a:t>
+            </a:r>
+          </a:p>
+          <a:p>
+            <a:endParaRPr lang="en-US" dirty="0"/>
+          </a:p>
+          <a:p>
+            <a:r>
+              <a:rPr lang="en-US" dirty="0"/>
+              <a:t>On the very first “Cell”, </a:t>
+            </a:r>
+          </a:p>
+          <a:p>
+            <a:r>
+              <a:rPr lang="en-US" dirty="0"/>
+              <a:t>Type “</a:t>
+            </a:r>
+          </a:p>
+          <a:p>
+            <a:r>
+              <a:rPr lang="en-US" dirty="0"/>
+              <a:t>From </a:t>
+            </a:r>
+            <a:r>
+              <a:rPr lang="en-US" dirty="0" err="1"/>
+              <a:t>google.colab</a:t>
+            </a:r>
+            <a:r>
+              <a:rPr lang="en-US" dirty="0"/>
+              <a:t> import drive</a:t>
+            </a:r>
+          </a:p>
+          <a:p>
+            <a:r>
+              <a:rPr lang="en-US" dirty="0" err="1"/>
+              <a:t>drive.mount</a:t>
+            </a:r>
+            <a:r>
+              <a:rPr lang="en-US" dirty="0"/>
+              <a:t>(</a:t>
             </a:r>
             <a:r>
               <a:rPr lang="zh-CN" altLang="en-US" dirty="0"/>
+              <a:t>‘</a:t>
+            </a:r>
+            <a:r>
+              <a:rPr lang="en-US" altLang="zh-CN" dirty="0"/>
+              <a:t>/content/drive’)</a:t>
+            </a:r>
+          </a:p>
+          <a:p>
+            <a:endParaRPr lang="en-US" dirty="0"/>
+          </a:p>
+          <a:p>
+            <a:r>
+              <a:rPr lang="en-US" dirty="0"/>
+              <a:t>Click the </a:t>
+            </a:r>
+            <a:r>
+              <a:rPr lang="en-US" altLang="zh-CN" dirty="0"/>
+              <a:t>arrow on the left. It will ask for permission to connect your drive. Grant it. Now your google drive is mounted. Aka, Connected. </a:t>
+            </a:r>
+            <a:r>
+              <a:rPr lang="en-US" dirty="0"/>
               <a:t> </a:t>
-            </a:r>
-            <a:r>
-              <a:rPr lang="en-US" altLang="zh-CN" dirty="0"/>
-              <a:t>pull!</a:t>
-            </a:r>
-            <a:r>
-              <a:rPr lang="zh-CN" altLang="en-US" dirty="0"/>
-              <a:t> </a:t>
-            </a:r>
-            <a:endParaRPr lang="en-US" altLang="zh-CN" dirty="0"/>
-          </a:p>
-          <a:p>
-            <a:r>
-              <a:rPr lang="en-US" dirty="0"/>
-              <a:t>What is pull? Pull </a:t>
             </a:r>
           </a:p>
         </p:txBody>
       </p:sp>
       <p:pic>
         <p:nvPicPr>
-          <p:cNvPr id="7" name="Picture 6">
-            <a:extLst>
-              <a:ext uri="{FF2B5EF4-FFF2-40B4-BE49-F238E27FC236}">
-                <a16:creationId xmlns:a16="http://schemas.microsoft.com/office/drawing/2014/main" id="{CBADB502-70BB-428E-DB51-5D5B28133FD3}"/>
+          <p:cNvPr id="6" name="Picture 5">
+            <a:extLst>
+              <a:ext uri="{FF2B5EF4-FFF2-40B4-BE49-F238E27FC236}">
+                <a16:creationId xmlns:a16="http://schemas.microsoft.com/office/drawing/2014/main" id="{BBF79173-26EF-C8BF-FC6A-743CE5601A48}"/>
               </a:ext>
             </a:extLst>
           </p:cNvPr>
@@ -7627,8 +6549,8 @@
         </p:blipFill>
         <p:spPr>
           <a:xfrm>
-            <a:off x="2208986" y="1916597"/>
-            <a:ext cx="6954220" cy="3905795"/>
+            <a:off x="819807" y="3755941"/>
+            <a:ext cx="9250066" cy="2934109"/>
           </a:xfrm>
           <a:prstGeom prst="rect">
             <a:avLst/>
@@ -7638,7 +6560,7 @@
     </p:spTree>
     <p:extLst>
       <p:ext uri="{BB962C8B-B14F-4D97-AF65-F5344CB8AC3E}">
-        <p14:creationId xmlns:p14="http://schemas.microsoft.com/office/powerpoint/2010/main" val="1598950073"/>
+        <p14:creationId xmlns:p14="http://schemas.microsoft.com/office/powerpoint/2010/main" val="1101197540"/>
       </p:ext>
     </p:extLst>
   </p:cSld>
@@ -7754,22 +6676,17 @@
             <a:pPr algn="l"/>
             <a:r>
               <a:rPr lang="en-US" sz="4000" dirty="0"/>
-              <a:t>Environment: Connect to </a:t>
-            </a:r>
-            <a:r>
-              <a:rPr lang="en-US" altLang="zh-CN" sz="4000" dirty="0"/>
-              <a:t>repo</a:t>
-            </a:r>
-            <a:endParaRPr lang="en-US" sz="4000" dirty="0"/>
-          </a:p>
-        </p:txBody>
-      </p:sp>
-      <p:sp>
-        <p:nvSpPr>
-          <p:cNvPr id="6" name="TextBox 5">
-            <a:extLst>
-              <a:ext uri="{FF2B5EF4-FFF2-40B4-BE49-F238E27FC236}">
-                <a16:creationId xmlns:a16="http://schemas.microsoft.com/office/drawing/2014/main" id="{371D56D3-8FFF-F652-0BD7-440C06734334}"/>
+              <a:t>Go to https://drive.google.com/drive/u/0/my-drive</a:t>
+            </a:r>
+          </a:p>
+        </p:txBody>
+      </p:sp>
+      <p:sp>
+        <p:nvSpPr>
+          <p:cNvPr id="8" name="TextBox 7">
+            <a:extLst>
+              <a:ext uri="{FF2B5EF4-FFF2-40B4-BE49-F238E27FC236}">
+                <a16:creationId xmlns:a16="http://schemas.microsoft.com/office/drawing/2014/main" id="{9D0F494D-4CEF-9B31-9ECF-626EE389E789}"/>
               </a:ext>
             </a:extLst>
           </p:cNvPr>
@@ -7778,8 +6695,8 @@
         </p:nvSpPr>
         <p:spPr>
           <a:xfrm>
-            <a:off x="2272863" y="2557783"/>
-            <a:ext cx="6206358" cy="1046440"/>
+            <a:off x="149459" y="1665156"/>
+            <a:ext cx="1911339" cy="646331"/>
           </a:xfrm>
           <a:prstGeom prst="rect">
             <a:avLst/>
@@ -7794,27 +6711,51 @@
           <a:p>
             <a:r>
               <a:rPr lang="en-US" dirty="0"/>
-              <a:t>Lets </a:t>
-            </a:r>
-            <a:r>
-              <a:rPr lang="en-US" sz="4400" dirty="0">
-                <a:solidFill>
-                  <a:srgbClr val="FF0000"/>
-                </a:solidFill>
-              </a:rPr>
-              <a:t>stop</a:t>
-            </a:r>
+              <a:t>You should see </a:t>
+            </a:r>
+          </a:p>
+          <a:p>
             <a:r>
               <a:rPr lang="en-US" dirty="0"/>
-              <a:t> here. Next lesson we will learn “checkout” , “do something” and push?</a:t>
-            </a:r>
-          </a:p>
-        </p:txBody>
-      </p:sp>
+              <a:t>This:</a:t>
+            </a:r>
+          </a:p>
+        </p:txBody>
+      </p:sp>
+      <p:pic>
+        <p:nvPicPr>
+          <p:cNvPr id="6" name="Picture 5">
+            <a:extLst>
+              <a:ext uri="{FF2B5EF4-FFF2-40B4-BE49-F238E27FC236}">
+                <a16:creationId xmlns:a16="http://schemas.microsoft.com/office/drawing/2014/main" id="{B61BC411-EF5A-7BB7-4346-76778CD88C71}"/>
+              </a:ext>
+            </a:extLst>
+          </p:cNvPr>
+          <p:cNvPicPr>
+            <a:picLocks noChangeAspect="1"/>
+          </p:cNvPicPr>
+          <p:nvPr/>
+        </p:nvPicPr>
+        <p:blipFill>
+          <a:blip r:embed="rId2"/>
+          <a:stretch>
+            <a:fillRect/>
+          </a:stretch>
+        </p:blipFill>
+        <p:spPr>
+          <a:xfrm>
+            <a:off x="2735077" y="1215808"/>
+            <a:ext cx="7081585" cy="5080267"/>
+          </a:xfrm>
+          <a:prstGeom prst="rect">
+            <a:avLst/>
+          </a:prstGeom>
+        </p:spPr>
+      </p:pic>
     </p:spTree>
     <p:extLst>
       <p:ext uri="{BB962C8B-B14F-4D97-AF65-F5344CB8AC3E}">
-        <p14:creationId xmlns:p14="http://schemas.microsoft.com/office/powerpoint/2010/main" val="180155008"/>
+        <p14:creationId xmlns:p14="http://schemas.microsoft.com/office/powerpoint/2010/main" val="53435100"/>
       </p:ext>
     </p:extLst>
   </p:cSld>
@@ -7843,42 +6784,6 @@
       </p:grpSpPr>
       <p:sp>
         <p:nvSpPr>
-          <p:cNvPr id="2" name="Title 1">
-            <a:extLst>
-              <a:ext uri="{FF2B5EF4-FFF2-40B4-BE49-F238E27FC236}">
-                <a16:creationId xmlns:a16="http://schemas.microsoft.com/office/drawing/2014/main" id="{F19762D9-7C7C-B5F0-5954-BEF25A6623EA}"/>
-              </a:ext>
-            </a:extLst>
-          </p:cNvPr>
-          <p:cNvSpPr>
-            <a:spLocks noGrp="1"/>
-          </p:cNvSpPr>
-          <p:nvPr>
-            <p:ph type="ctrTitle"/>
-          </p:nvPr>
-        </p:nvSpPr>
-        <p:spPr>
-          <a:xfrm>
-            <a:off x="0" y="653884"/>
-            <a:ext cx="12192000" cy="6204115"/>
-          </a:xfrm>
-        </p:spPr>
-        <p:txBody>
-          <a:bodyPr anchor="t">
-            <a:noAutofit/>
-          </a:bodyPr>
-          <a:lstStyle/>
-          <a:p>
-            <a:pPr algn="l"/>
-            <a:r>
-              <a:rPr lang="en-US" sz="4000" dirty="0"/>
-              <a:t> </a:t>
-            </a:r>
-          </a:p>
-        </p:txBody>
-      </p:sp>
-      <p:sp>
-        <p:nvSpPr>
           <p:cNvPr id="3" name="Title 1">
             <a:extLst>
               <a:ext uri="{FF2B5EF4-FFF2-40B4-BE49-F238E27FC236}">
@@ -7929,18 +6834,18 @@
           <a:p>
             <a:pPr algn="l"/>
             <a:r>
-              <a:rPr lang="en-US" sz="4000" dirty="0"/>
-              <a:t>Go to https://colab.research.google.com</a:t>
+              <a:rPr lang="en-US" sz="3600" dirty="0"/>
+              <a:t>Stay with drive</a:t>
             </a:r>
           </a:p>
         </p:txBody>
       </p:sp>
       <p:pic>
         <p:nvPicPr>
-          <p:cNvPr id="5" name="Picture 4">
-            <a:extLst>
-              <a:ext uri="{FF2B5EF4-FFF2-40B4-BE49-F238E27FC236}">
-                <a16:creationId xmlns:a16="http://schemas.microsoft.com/office/drawing/2014/main" id="{72E95294-2063-9629-E41A-B1EAD25DB03E}"/>
+          <p:cNvPr id="7" name="Picture 6">
+            <a:extLst>
+              <a:ext uri="{FF2B5EF4-FFF2-40B4-BE49-F238E27FC236}">
+                <a16:creationId xmlns:a16="http://schemas.microsoft.com/office/drawing/2014/main" id="{3E35B7C3-1D5B-20B4-317A-CB65A1AE6C51}"/>
               </a:ext>
             </a:extLst>
           </p:cNvPr>
@@ -7957,8 +6862,8 @@
         </p:blipFill>
         <p:spPr>
           <a:xfrm>
-            <a:off x="3093127" y="1094044"/>
-            <a:ext cx="8058350" cy="5491959"/>
+            <a:off x="1545020" y="1954095"/>
+            <a:ext cx="8650013" cy="4011791"/>
           </a:xfrm>
           <a:prstGeom prst="rect">
             <a:avLst/>
@@ -7967,10 +6872,10 @@
       </p:pic>
       <p:sp>
         <p:nvSpPr>
-          <p:cNvPr id="8" name="TextBox 7">
-            <a:extLst>
-              <a:ext uri="{FF2B5EF4-FFF2-40B4-BE49-F238E27FC236}">
-                <a16:creationId xmlns:a16="http://schemas.microsoft.com/office/drawing/2014/main" id="{9D0F494D-4CEF-9B31-9ECF-626EE389E789}"/>
+          <p:cNvPr id="11" name="TextBox 10">
+            <a:extLst>
+              <a:ext uri="{FF2B5EF4-FFF2-40B4-BE49-F238E27FC236}">
+                <a16:creationId xmlns:a16="http://schemas.microsoft.com/office/drawing/2014/main" id="{818B15DC-EDAD-8893-1A3A-BDB374597441}"/>
               </a:ext>
             </a:extLst>
           </p:cNvPr>
@@ -7979,8 +6884,8 @@
         </p:nvSpPr>
         <p:spPr>
           <a:xfrm>
-            <a:off x="590894" y="1875362"/>
-            <a:ext cx="1911339" cy="3139321"/>
+            <a:off x="488731" y="868859"/>
+            <a:ext cx="6190592" cy="369332"/>
           </a:xfrm>
           <a:prstGeom prst="rect">
             <a:avLst/>
@@ -7993,57 +6898,71 @@
           </a:bodyPr>
           <a:lstStyle/>
           <a:p>
-            <a:r>
-              <a:rPr lang="en-US" dirty="0"/>
-              <a:t>And Click </a:t>
-            </a:r>
-            <a:br>
-              <a:rPr lang="en-US" dirty="0"/>
-            </a:br>
-            <a:r>
-              <a:rPr lang="en-US" dirty="0"/>
-              <a:t>“New </a:t>
-            </a:r>
+            <a:pPr algn="l"/>
+            <a:r>
+              <a:rPr lang="en-US" sz="1800" dirty="0"/>
+              <a:t>Now, create a folder under your drive’s </a:t>
+            </a:r>
+            <a:r>
+              <a:rPr lang="en-US" sz="1800" dirty="0" err="1"/>
+              <a:t>colab</a:t>
+            </a:r>
+            <a:r>
+              <a:rPr lang="en-US" sz="1800" dirty="0"/>
+              <a:t> notebooks folder</a:t>
+            </a:r>
+          </a:p>
+        </p:txBody>
+      </p:sp>
+      <p:sp>
+        <p:nvSpPr>
+          <p:cNvPr id="12" name="TextBox 11">
+            <a:extLst>
+              <a:ext uri="{FF2B5EF4-FFF2-40B4-BE49-F238E27FC236}">
+                <a16:creationId xmlns:a16="http://schemas.microsoft.com/office/drawing/2014/main" id="{ECF9476B-6A83-24A7-F03B-30E6CD99A037}"/>
+              </a:ext>
+            </a:extLst>
+          </p:cNvPr>
+          <p:cNvSpPr txBox="1"/>
+          <p:nvPr/>
+        </p:nvSpPr>
+        <p:spPr>
+          <a:xfrm>
+            <a:off x="367862" y="1411477"/>
+            <a:ext cx="6190592" cy="369332"/>
+          </a:xfrm>
+          <a:prstGeom prst="rect">
+            <a:avLst/>
+          </a:prstGeom>
+          <a:noFill/>
+        </p:spPr>
+        <p:txBody>
+          <a:bodyPr wrap="square">
+            <a:spAutoFit/>
+          </a:bodyPr>
+          <a:lstStyle/>
+          <a:p>
+            <a:pPr algn="l"/>
             <a:r>
               <a:rPr lang="en-US" altLang="zh-CN" dirty="0"/>
-              <a:t>notebook”</a:t>
-            </a:r>
-          </a:p>
-          <a:p>
-            <a:endParaRPr lang="en-US" dirty="0"/>
-          </a:p>
-          <a:p>
-            <a:endParaRPr lang="en-US" dirty="0"/>
-          </a:p>
-          <a:p>
-            <a:r>
-              <a:rPr lang="en-US" dirty="0"/>
-              <a:t>What will this do?</a:t>
-            </a:r>
-          </a:p>
-          <a:p>
-            <a:endParaRPr lang="en-US" dirty="0"/>
-          </a:p>
-          <a:p>
-            <a:r>
-              <a:rPr lang="en-US" dirty="0"/>
-              <a:t>If you are first time users of </a:t>
-            </a:r>
-            <a:r>
-              <a:rPr lang="en-US" dirty="0" err="1"/>
-              <a:t>colab</a:t>
-            </a:r>
-            <a:r>
-              <a:rPr lang="en-US" dirty="0"/>
-              <a:t>, it will create a folder in your google drive</a:t>
-            </a:r>
+              <a:t>Also upload the file you </a:t>
+            </a:r>
+            <a:r>
+              <a:rPr lang="zh-CN" altLang="en-US" dirty="0"/>
+              <a:t>“</a:t>
+            </a:r>
+            <a:r>
+              <a:rPr lang="en-US" altLang="zh-CN" dirty="0"/>
+              <a:t>pull” ed from our project rep. </a:t>
+            </a:r>
+            <a:endParaRPr lang="en-US" sz="1800" dirty="0"/>
           </a:p>
         </p:txBody>
       </p:sp>
     </p:spTree>
     <p:extLst>
       <p:ext uri="{BB962C8B-B14F-4D97-AF65-F5344CB8AC3E}">
-        <p14:creationId xmlns:p14="http://schemas.microsoft.com/office/powerpoint/2010/main" val="3152589405"/>
+        <p14:creationId xmlns:p14="http://schemas.microsoft.com/office/powerpoint/2010/main" val="3472066179"/>
       </p:ext>
     </p:extLst>
   </p:cSld>
